--- a/ProjectDocumentaion/TableDesigns.pptx
+++ b/ProjectDocumentaion/TableDesigns.pptx
@@ -75,7 +75,7 @@
         <p:txBody>
           <a:bodyPr/>
           <a:p>
-            <a:fld id="{B9D6A7A6-010F-4F39-A91D-BB3D5DB63A08}" type="slidenum">
+            <a:fld id="{81C569BB-E9DE-4B96-AB3F-0C7FC856ADAD}" type="slidenum">
               <a:t>&lt;#&gt;</a:t>
             </a:fld>
           </a:p>
@@ -263,7 +263,7 @@
         <p:txBody>
           <a:bodyPr/>
           <a:p>
-            <a:fld id="{05EDBE94-9C09-4E51-BBE6-55E4C5E32595}" type="slidenum">
+            <a:fld id="{E89B45B8-B410-4479-8593-FAC83FAF707D}" type="slidenum">
               <a:t>&lt;#&gt;</a:t>
             </a:fld>
           </a:p>
@@ -519,7 +519,7 @@
         <p:txBody>
           <a:bodyPr/>
           <a:p>
-            <a:fld id="{EA8DAE9C-81FF-4496-AD6C-2C2FEB7796D2}" type="slidenum">
+            <a:fld id="{C2152EB1-DCCA-4D27-AA28-3ED683DBD1EB}" type="slidenum">
               <a:t>&lt;#&gt;</a:t>
             </a:fld>
           </a:p>
@@ -843,7 +843,7 @@
         <p:txBody>
           <a:bodyPr/>
           <a:p>
-            <a:fld id="{BA3FB049-A1CC-4C92-AC6B-538A09C26782}" type="slidenum">
+            <a:fld id="{934E1DFC-FAE1-48C5-8979-01C018CC64CB}" type="slidenum">
               <a:t>&lt;#&gt;</a:t>
             </a:fld>
           </a:p>
@@ -926,7 +926,7 @@
         <p:txBody>
           <a:bodyPr/>
           <a:p>
-            <a:fld id="{48251B0F-1DC5-4292-951C-54C0DDD3F148}" type="slidenum">
+            <a:fld id="{FDA78F28-59D6-4FD8-8387-C51D2E1B3414}" type="slidenum">
               <a:t>&lt;#&gt;</a:t>
             </a:fld>
           </a:p>
@@ -1083,7 +1083,7 @@
         <p:txBody>
           <a:bodyPr/>
           <a:p>
-            <a:fld id="{0036E00D-DB4D-49EF-B1A5-FF935D7300CA}" type="slidenum">
+            <a:fld id="{A28F7A8B-781B-4308-AC96-4035339464C3}" type="slidenum">
               <a:t>&lt;#&gt;</a:t>
             </a:fld>
           </a:p>
@@ -1237,7 +1237,7 @@
         <p:txBody>
           <a:bodyPr/>
           <a:p>
-            <a:fld id="{5B014DA0-C657-4661-BE94-589C6D6B72FD}" type="slidenum">
+            <a:fld id="{8436D969-BC66-4963-8C34-B30556775FF8}" type="slidenum">
               <a:t>&lt;#&gt;</a:t>
             </a:fld>
           </a:p>
@@ -1425,7 +1425,7 @@
         <p:txBody>
           <a:bodyPr/>
           <a:p>
-            <a:fld id="{591FB9AA-4FD8-4396-B9BA-C3D7F0552956}" type="slidenum">
+            <a:fld id="{6B924B3E-3CA0-4387-B92B-76CF3AA5DF14}" type="slidenum">
               <a:t>&lt;#&gt;</a:t>
             </a:fld>
           </a:p>
@@ -1545,7 +1545,7 @@
         <p:txBody>
           <a:bodyPr/>
           <a:p>
-            <a:fld id="{EA7A1724-47CC-495D-BC73-FF85C00706C4}" type="slidenum">
+            <a:fld id="{364058C3-C970-44E8-8D33-DFE602373872}" type="slidenum">
               <a:t>&lt;#&gt;</a:t>
             </a:fld>
           </a:p>
@@ -1665,7 +1665,7 @@
         <p:txBody>
           <a:bodyPr/>
           <a:p>
-            <a:fld id="{B23C80EE-30A0-433B-995C-2192C2B95E9F}" type="slidenum">
+            <a:fld id="{67A14166-DDFD-43CD-9534-8F330ED769A4}" type="slidenum">
               <a:t>&lt;#&gt;</a:t>
             </a:fld>
           </a:p>
@@ -1887,7 +1887,7 @@
         <p:txBody>
           <a:bodyPr/>
           <a:p>
-            <a:fld id="{C6523BCE-7A1A-4C5C-BF76-36CC72D22867}" type="slidenum">
+            <a:fld id="{D6489AFE-1C67-493B-A351-60C7BB3643CE}" type="slidenum">
               <a:t>&lt;#&gt;</a:t>
             </a:fld>
           </a:p>
@@ -2044,7 +2044,7 @@
         <p:txBody>
           <a:bodyPr/>
           <a:p>
-            <a:fld id="{E73D5802-C504-4E6B-8816-53B147F48656}" type="slidenum">
+            <a:fld id="{3B26466A-0A32-4A46-B1A7-9F850272C76C}" type="slidenum">
               <a:t>&lt;#&gt;</a:t>
             </a:fld>
           </a:p>
@@ -2266,7 +2266,7 @@
         <p:txBody>
           <a:bodyPr/>
           <a:p>
-            <a:fld id="{141FA444-6BBB-40FF-91A1-1EACB6AA491F}" type="slidenum">
+            <a:fld id="{B2341E9A-A44E-4FDC-BC91-D8217A3F213D}" type="slidenum">
               <a:t>&lt;#&gt;</a:t>
             </a:fld>
           </a:p>
@@ -2488,7 +2488,7 @@
         <p:txBody>
           <a:bodyPr/>
           <a:p>
-            <a:fld id="{0856B3D1-15CD-4CE2-B9F5-B698C9640CF1}" type="slidenum">
+            <a:fld id="{F8173F8B-5AE7-4ED6-99EF-DF09B7B866E2}" type="slidenum">
               <a:t>&lt;#&gt;</a:t>
             </a:fld>
           </a:p>
@@ -2676,7 +2676,7 @@
         <p:txBody>
           <a:bodyPr/>
           <a:p>
-            <a:fld id="{18A459CC-A776-4960-852E-8F97FCC63D98}" type="slidenum">
+            <a:fld id="{55397295-517B-490D-A87A-92DC0C9CE6D8}" type="slidenum">
               <a:t>&lt;#&gt;</a:t>
             </a:fld>
           </a:p>
@@ -2932,7 +2932,7 @@
         <p:txBody>
           <a:bodyPr/>
           <a:p>
-            <a:fld id="{D0CDCF52-CBE3-4F43-A584-2BFF95AD512E}" type="slidenum">
+            <a:fld id="{3B66E7CF-B86F-44D9-A9EE-A1293A948A40}" type="slidenum">
               <a:t>&lt;#&gt;</a:t>
             </a:fld>
           </a:p>
@@ -3256,7 +3256,7 @@
         <p:txBody>
           <a:bodyPr/>
           <a:p>
-            <a:fld id="{F1655DC0-37D6-44B1-B29C-6A5DF10F9702}" type="slidenum">
+            <a:fld id="{E14320FC-4EB2-4D91-8BC0-28CCFAA5EB82}" type="slidenum">
               <a:t>&lt;#&gt;</a:t>
             </a:fld>
           </a:p>
@@ -3410,7 +3410,7 @@
         <p:txBody>
           <a:bodyPr/>
           <a:p>
-            <a:fld id="{2F1661BC-2F86-4B1E-ABD1-76F8136D0DD9}" type="slidenum">
+            <a:fld id="{934448A9-A9A7-441C-A7C5-F99673702B40}" type="slidenum">
               <a:t>&lt;#&gt;</a:t>
             </a:fld>
           </a:p>
@@ -3598,7 +3598,7 @@
         <p:txBody>
           <a:bodyPr/>
           <a:p>
-            <a:fld id="{5A6D4F37-E9C0-4458-8352-8B6EC647444E}" type="slidenum">
+            <a:fld id="{2720E2D2-3A2D-49B3-9133-C21FA57F1AA9}" type="slidenum">
               <a:t>&lt;#&gt;</a:t>
             </a:fld>
           </a:p>
@@ -3718,7 +3718,7 @@
         <p:txBody>
           <a:bodyPr/>
           <a:p>
-            <a:fld id="{5245D39A-9B1F-4744-BD9D-02D8F06B3D81}" type="slidenum">
+            <a:fld id="{19E3D0A0-D770-4D28-85C8-7213032CA80A}" type="slidenum">
               <a:t>&lt;#&gt;</a:t>
             </a:fld>
           </a:p>
@@ -3838,7 +3838,7 @@
         <p:txBody>
           <a:bodyPr/>
           <a:p>
-            <a:fld id="{CBD161FB-5969-4B9E-9941-E32A1E3AD3B2}" type="slidenum">
+            <a:fld id="{103D1A08-7482-4EB3-AB4C-41F250A29418}" type="slidenum">
               <a:t>&lt;#&gt;</a:t>
             </a:fld>
           </a:p>
@@ -4060,7 +4060,7 @@
         <p:txBody>
           <a:bodyPr/>
           <a:p>
-            <a:fld id="{CBC82BC5-2DB7-4D7C-86CE-31D2E8E023B1}" type="slidenum">
+            <a:fld id="{C8C168A3-7E2F-4F02-B04F-8AD382FB65B0}" type="slidenum">
               <a:t>&lt;#&gt;</a:t>
             </a:fld>
           </a:p>
@@ -4282,7 +4282,7 @@
         <p:txBody>
           <a:bodyPr/>
           <a:p>
-            <a:fld id="{FD8CF38B-0073-4C91-A429-7915F7A79130}" type="slidenum">
+            <a:fld id="{CEB4D73F-29D1-43A3-BF3F-B41036BFAD79}" type="slidenum">
               <a:t>&lt;#&gt;</a:t>
             </a:fld>
           </a:p>
@@ -4504,7 +4504,7 @@
         <p:txBody>
           <a:bodyPr/>
           <a:p>
-            <a:fld id="{68CF217E-0A40-4294-B317-F4536B360EE2}" type="slidenum">
+            <a:fld id="{95C6DB93-C6A6-4D69-8728-13B33EAE9120}" type="slidenum">
               <a:t>&lt;#&gt;</a:t>
             </a:fld>
           </a:p>
@@ -4705,7 +4705,7 @@
               </a:lnSpc>
               <a:buNone/>
             </a:pPr>
-            <a:fld id="{AF1E1E02-F750-4AA2-9B07-5A393F681CD1}" type="slidenum">
+            <a:fld id="{7C648285-9829-46B5-9C67-D9C7DF1B6D27}" type="slidenum">
               <a:rPr b="0" lang="en-IL" sz="1200" spc="-1" strike="noStrike">
                 <a:solidFill>
                   <a:srgbClr val="787878"/>
@@ -5099,7 +5099,7 @@
               </a:lnSpc>
               <a:buNone/>
             </a:pPr>
-            <a:fld id="{6E477681-0077-45B7-9E7E-FE6483CBD554}" type="slidenum">
+            <a:fld id="{849C4CCC-23B9-4453-AD4B-EA0493F40C6A}" type="slidenum">
               <a:rPr b="0" lang="en-IL" sz="1200" spc="-1" strike="noStrike">
                 <a:solidFill>
                   <a:srgbClr val="787878"/>

--- a/ProjectDocumentaion/TableDesigns.pptx
+++ b/ProjectDocumentaion/TableDesigns.pptx
@@ -75,7 +75,7 @@
         <p:txBody>
           <a:bodyPr/>
           <a:p>
-            <a:fld id="{81C569BB-E9DE-4B96-AB3F-0C7FC856ADAD}" type="slidenum">
+            <a:fld id="{C5A40572-0088-499D-9367-4F391ABA7678}" type="slidenum">
               <a:t>&lt;#&gt;</a:t>
             </a:fld>
           </a:p>
@@ -263,7 +263,7 @@
         <p:txBody>
           <a:bodyPr/>
           <a:p>
-            <a:fld id="{E89B45B8-B410-4479-8593-FAC83FAF707D}" type="slidenum">
+            <a:fld id="{7B9E3C10-EA2C-444B-9E10-779C6ACBDDC7}" type="slidenum">
               <a:t>&lt;#&gt;</a:t>
             </a:fld>
           </a:p>
@@ -519,7 +519,7 @@
         <p:txBody>
           <a:bodyPr/>
           <a:p>
-            <a:fld id="{C2152EB1-DCCA-4D27-AA28-3ED683DBD1EB}" type="slidenum">
+            <a:fld id="{62073B43-D7F4-45E2-B31C-658D79F83252}" type="slidenum">
               <a:t>&lt;#&gt;</a:t>
             </a:fld>
           </a:p>
@@ -843,7 +843,7 @@
         <p:txBody>
           <a:bodyPr/>
           <a:p>
-            <a:fld id="{934E1DFC-FAE1-48C5-8979-01C018CC64CB}" type="slidenum">
+            <a:fld id="{3EC464B2-3AFF-4A60-AB83-B5E22444974F}" type="slidenum">
               <a:t>&lt;#&gt;</a:t>
             </a:fld>
           </a:p>
@@ -926,7 +926,7 @@
         <p:txBody>
           <a:bodyPr/>
           <a:p>
-            <a:fld id="{FDA78F28-59D6-4FD8-8387-C51D2E1B3414}" type="slidenum">
+            <a:fld id="{857FC480-028D-4286-8B19-5C222EFE4677}" type="slidenum">
               <a:t>&lt;#&gt;</a:t>
             </a:fld>
           </a:p>
@@ -1083,7 +1083,7 @@
         <p:txBody>
           <a:bodyPr/>
           <a:p>
-            <a:fld id="{A28F7A8B-781B-4308-AC96-4035339464C3}" type="slidenum">
+            <a:fld id="{8772B7B2-0BDF-49F4-A393-EEC8CDE93848}" type="slidenum">
               <a:t>&lt;#&gt;</a:t>
             </a:fld>
           </a:p>
@@ -1237,7 +1237,7 @@
         <p:txBody>
           <a:bodyPr/>
           <a:p>
-            <a:fld id="{8436D969-BC66-4963-8C34-B30556775FF8}" type="slidenum">
+            <a:fld id="{8EC230C0-C191-4EC7-963B-3FB98C090B2A}" type="slidenum">
               <a:t>&lt;#&gt;</a:t>
             </a:fld>
           </a:p>
@@ -1425,7 +1425,7 @@
         <p:txBody>
           <a:bodyPr/>
           <a:p>
-            <a:fld id="{6B924B3E-3CA0-4387-B92B-76CF3AA5DF14}" type="slidenum">
+            <a:fld id="{4065507A-B442-4A50-AFB6-403E60C173D3}" type="slidenum">
               <a:t>&lt;#&gt;</a:t>
             </a:fld>
           </a:p>
@@ -1545,7 +1545,7 @@
         <p:txBody>
           <a:bodyPr/>
           <a:p>
-            <a:fld id="{364058C3-C970-44E8-8D33-DFE602373872}" type="slidenum">
+            <a:fld id="{6339D922-A378-43B3-8DC9-144BBD0873C4}" type="slidenum">
               <a:t>&lt;#&gt;</a:t>
             </a:fld>
           </a:p>
@@ -1665,7 +1665,7 @@
         <p:txBody>
           <a:bodyPr/>
           <a:p>
-            <a:fld id="{67A14166-DDFD-43CD-9534-8F330ED769A4}" type="slidenum">
+            <a:fld id="{37C8D908-F7F6-4AD0-8041-7F27400BD683}" type="slidenum">
               <a:t>&lt;#&gt;</a:t>
             </a:fld>
           </a:p>
@@ -1887,7 +1887,7 @@
         <p:txBody>
           <a:bodyPr/>
           <a:p>
-            <a:fld id="{D6489AFE-1C67-493B-A351-60C7BB3643CE}" type="slidenum">
+            <a:fld id="{55A20932-5957-44A8-BBF0-9FB65E601A88}" type="slidenum">
               <a:t>&lt;#&gt;</a:t>
             </a:fld>
           </a:p>
@@ -2044,7 +2044,7 @@
         <p:txBody>
           <a:bodyPr/>
           <a:p>
-            <a:fld id="{3B26466A-0A32-4A46-B1A7-9F850272C76C}" type="slidenum">
+            <a:fld id="{9D46664C-ABF5-4DF3-8B05-45E5339CB283}" type="slidenum">
               <a:t>&lt;#&gt;</a:t>
             </a:fld>
           </a:p>
@@ -2266,7 +2266,7 @@
         <p:txBody>
           <a:bodyPr/>
           <a:p>
-            <a:fld id="{B2341E9A-A44E-4FDC-BC91-D8217A3F213D}" type="slidenum">
+            <a:fld id="{5A2DAE01-473A-459E-A3BD-020D666AD5BB}" type="slidenum">
               <a:t>&lt;#&gt;</a:t>
             </a:fld>
           </a:p>
@@ -2488,7 +2488,7 @@
         <p:txBody>
           <a:bodyPr/>
           <a:p>
-            <a:fld id="{F8173F8B-5AE7-4ED6-99EF-DF09B7B866E2}" type="slidenum">
+            <a:fld id="{E6C5D11C-3177-4368-A566-3AD572F2228B}" type="slidenum">
               <a:t>&lt;#&gt;</a:t>
             </a:fld>
           </a:p>
@@ -2676,7 +2676,7 @@
         <p:txBody>
           <a:bodyPr/>
           <a:p>
-            <a:fld id="{55397295-517B-490D-A87A-92DC0C9CE6D8}" type="slidenum">
+            <a:fld id="{5791D792-D654-4BBE-9683-CD728EB657EA}" type="slidenum">
               <a:t>&lt;#&gt;</a:t>
             </a:fld>
           </a:p>
@@ -2932,7 +2932,7 @@
         <p:txBody>
           <a:bodyPr/>
           <a:p>
-            <a:fld id="{3B66E7CF-B86F-44D9-A9EE-A1293A948A40}" type="slidenum">
+            <a:fld id="{01E53EEF-626D-4E0E-9F7E-877398B53028}" type="slidenum">
               <a:t>&lt;#&gt;</a:t>
             </a:fld>
           </a:p>
@@ -3256,7 +3256,7 @@
         <p:txBody>
           <a:bodyPr/>
           <a:p>
-            <a:fld id="{E14320FC-4EB2-4D91-8BC0-28CCFAA5EB82}" type="slidenum">
+            <a:fld id="{88A0D36F-ADEF-4959-9FC3-87D4D07C67AC}" type="slidenum">
               <a:t>&lt;#&gt;</a:t>
             </a:fld>
           </a:p>
@@ -3410,7 +3410,7 @@
         <p:txBody>
           <a:bodyPr/>
           <a:p>
-            <a:fld id="{934448A9-A9A7-441C-A7C5-F99673702B40}" type="slidenum">
+            <a:fld id="{401550D2-361A-4BD2-B4FC-46A07016FA8B}" type="slidenum">
               <a:t>&lt;#&gt;</a:t>
             </a:fld>
           </a:p>
@@ -3598,7 +3598,7 @@
         <p:txBody>
           <a:bodyPr/>
           <a:p>
-            <a:fld id="{2720E2D2-3A2D-49B3-9133-C21FA57F1AA9}" type="slidenum">
+            <a:fld id="{268FE4B7-303E-4AC4-BA0A-03B4EF0B3A56}" type="slidenum">
               <a:t>&lt;#&gt;</a:t>
             </a:fld>
           </a:p>
@@ -3718,7 +3718,7 @@
         <p:txBody>
           <a:bodyPr/>
           <a:p>
-            <a:fld id="{19E3D0A0-D770-4D28-85C8-7213032CA80A}" type="slidenum">
+            <a:fld id="{B839F315-8608-487D-AA9D-CA6208E86D57}" type="slidenum">
               <a:t>&lt;#&gt;</a:t>
             </a:fld>
           </a:p>
@@ -3838,7 +3838,7 @@
         <p:txBody>
           <a:bodyPr/>
           <a:p>
-            <a:fld id="{103D1A08-7482-4EB3-AB4C-41F250A29418}" type="slidenum">
+            <a:fld id="{904D9028-CCB6-43C5-B8FF-50461591FD7E}" type="slidenum">
               <a:t>&lt;#&gt;</a:t>
             </a:fld>
           </a:p>
@@ -4060,7 +4060,7 @@
         <p:txBody>
           <a:bodyPr/>
           <a:p>
-            <a:fld id="{C8C168A3-7E2F-4F02-B04F-8AD382FB65B0}" type="slidenum">
+            <a:fld id="{6FA2778B-7B13-4D39-AEB5-FF3F2CC112F6}" type="slidenum">
               <a:t>&lt;#&gt;</a:t>
             </a:fld>
           </a:p>
@@ -4282,7 +4282,7 @@
         <p:txBody>
           <a:bodyPr/>
           <a:p>
-            <a:fld id="{CEB4D73F-29D1-43A3-BF3F-B41036BFAD79}" type="slidenum">
+            <a:fld id="{AEC30A81-C71B-415C-8D15-3C6C7276892F}" type="slidenum">
               <a:t>&lt;#&gt;</a:t>
             </a:fld>
           </a:p>
@@ -4504,7 +4504,7 @@
         <p:txBody>
           <a:bodyPr/>
           <a:p>
-            <a:fld id="{95C6DB93-C6A6-4D69-8728-13B33EAE9120}" type="slidenum">
+            <a:fld id="{24A47D38-8081-4358-8928-AEE62C7E461D}" type="slidenum">
               <a:t>&lt;#&gt;</a:t>
             </a:fld>
           </a:p>
@@ -4572,8 +4572,8 @@
         </p:nvSpPr>
         <p:spPr>
           <a:xfrm>
-            <a:off x="838080" y="365040"/>
-            <a:ext cx="10514880" cy="1324800"/>
+            <a:off x="609480" y="273600"/>
+            <a:ext cx="10972080" cy="1144440"/>
           </a:xfrm>
           <a:prstGeom prst="rect">
             <a:avLst/>
@@ -4607,13 +4607,196 @@
             <a:spLocks noGrp="1"/>
           </p:cNvSpPr>
           <p:nvPr>
+            <p:ph type="body"/>
+          </p:nvPr>
+        </p:nvSpPr>
+        <p:spPr>
+          <a:xfrm>
+            <a:off x="609480" y="1604520"/>
+            <a:ext cx="10972080" cy="3976920"/>
+          </a:xfrm>
+          <a:prstGeom prst="rect">
+            <a:avLst/>
+          </a:prstGeom>
+          <a:noFill/>
+          <a:ln w="0">
+            <a:noFill/>
+          </a:ln>
+        </p:spPr>
+        <p:txBody>
+          <a:bodyPr lIns="0" rIns="0" tIns="0" bIns="0" anchor="t">
+            <a:normAutofit/>
+          </a:bodyPr>
+          <a:p>
+            <a:pPr marL="432000" indent="-324000">
+              <a:spcBef>
+                <a:spcPts val="1417"/>
+              </a:spcBef>
+              <a:buClr>
+                <a:srgbClr val="000000"/>
+              </a:buClr>
+              <a:buSzPct val="45000"/>
+              <a:buFont typeface="Wingdings" charset="2"/>
+              <a:buChar char=""/>
+            </a:pPr>
+            <a:r>
+              <a:rPr b="0" lang="en-IL" sz="1800" spc="-1" strike="noStrike">
+                <a:latin typeface="Arial"/>
+              </a:rPr>
+              <a:t>Click to edit the outline text format</a:t>
+            </a:r>
+            <a:endParaRPr b="0" lang="en-IL" sz="1800" spc="-1" strike="noStrike">
+              <a:latin typeface="Arial"/>
+            </a:endParaRPr>
+          </a:p>
+          <a:p>
+            <a:pPr lvl="1" marL="864000" indent="-324000">
+              <a:spcBef>
+                <a:spcPts val="1134"/>
+              </a:spcBef>
+              <a:buClr>
+                <a:srgbClr val="000000"/>
+              </a:buClr>
+              <a:buSzPct val="75000"/>
+              <a:buFont typeface="Symbol" charset="2"/>
+              <a:buChar char=""/>
+            </a:pPr>
+            <a:r>
+              <a:rPr b="0" lang="en-IL" sz="1800" spc="-1" strike="noStrike">
+                <a:latin typeface="Arial"/>
+              </a:rPr>
+              <a:t>Second Outline Level</a:t>
+            </a:r>
+            <a:endParaRPr b="0" lang="en-IL" sz="1800" spc="-1" strike="noStrike">
+              <a:latin typeface="Arial"/>
+            </a:endParaRPr>
+          </a:p>
+          <a:p>
+            <a:pPr lvl="2" marL="1296000" indent="-288000">
+              <a:spcBef>
+                <a:spcPts val="850"/>
+              </a:spcBef>
+              <a:buClr>
+                <a:srgbClr val="000000"/>
+              </a:buClr>
+              <a:buSzPct val="45000"/>
+              <a:buFont typeface="Wingdings" charset="2"/>
+              <a:buChar char=""/>
+            </a:pPr>
+            <a:r>
+              <a:rPr b="0" lang="en-IL" sz="1800" spc="-1" strike="noStrike">
+                <a:latin typeface="Arial"/>
+              </a:rPr>
+              <a:t>Third Outline Level</a:t>
+            </a:r>
+            <a:endParaRPr b="0" lang="en-IL" sz="1800" spc="-1" strike="noStrike">
+              <a:latin typeface="Arial"/>
+            </a:endParaRPr>
+          </a:p>
+          <a:p>
+            <a:pPr lvl="3" marL="1728000" indent="-216000">
+              <a:spcBef>
+                <a:spcPts val="567"/>
+              </a:spcBef>
+              <a:buClr>
+                <a:srgbClr val="000000"/>
+              </a:buClr>
+              <a:buSzPct val="75000"/>
+              <a:buFont typeface="Symbol" charset="2"/>
+              <a:buChar char=""/>
+            </a:pPr>
+            <a:r>
+              <a:rPr b="0" lang="en-IL" sz="1800" spc="-1" strike="noStrike">
+                <a:latin typeface="Arial"/>
+              </a:rPr>
+              <a:t>Fourth Outline Level</a:t>
+            </a:r>
+            <a:endParaRPr b="0" lang="en-IL" sz="1800" spc="-1" strike="noStrike">
+              <a:latin typeface="Arial"/>
+            </a:endParaRPr>
+          </a:p>
+          <a:p>
+            <a:pPr lvl="4" marL="2160000" indent="-216000">
+              <a:spcBef>
+                <a:spcPts val="283"/>
+              </a:spcBef>
+              <a:buClr>
+                <a:srgbClr val="000000"/>
+              </a:buClr>
+              <a:buSzPct val="45000"/>
+              <a:buFont typeface="Wingdings" charset="2"/>
+              <a:buChar char=""/>
+            </a:pPr>
+            <a:r>
+              <a:rPr b="0" lang="en-IL" sz="1800" spc="-1" strike="noStrike">
+                <a:latin typeface="Arial"/>
+              </a:rPr>
+              <a:t>Fifth Outline Level</a:t>
+            </a:r>
+            <a:endParaRPr b="0" lang="en-IL" sz="1800" spc="-1" strike="noStrike">
+              <a:latin typeface="Arial"/>
+            </a:endParaRPr>
+          </a:p>
+          <a:p>
+            <a:pPr lvl="5" marL="2592000" indent="-216000">
+              <a:spcBef>
+                <a:spcPts val="283"/>
+              </a:spcBef>
+              <a:buClr>
+                <a:srgbClr val="000000"/>
+              </a:buClr>
+              <a:buSzPct val="45000"/>
+              <a:buFont typeface="Wingdings" charset="2"/>
+              <a:buChar char=""/>
+            </a:pPr>
+            <a:r>
+              <a:rPr b="0" lang="en-IL" sz="1800" spc="-1" strike="noStrike">
+                <a:latin typeface="Arial"/>
+              </a:rPr>
+              <a:t>Sixth Outline Level</a:t>
+            </a:r>
+            <a:endParaRPr b="0" lang="en-IL" sz="1800" spc="-1" strike="noStrike">
+              <a:latin typeface="Arial"/>
+            </a:endParaRPr>
+          </a:p>
+          <a:p>
+            <a:pPr lvl="6" marL="3024000" indent="-216000">
+              <a:spcBef>
+                <a:spcPts val="283"/>
+              </a:spcBef>
+              <a:buClr>
+                <a:srgbClr val="000000"/>
+              </a:buClr>
+              <a:buSzPct val="45000"/>
+              <a:buFont typeface="Wingdings" charset="2"/>
+              <a:buChar char=""/>
+            </a:pPr>
+            <a:r>
+              <a:rPr b="0" lang="en-IL" sz="1800" spc="-1" strike="noStrike">
+                <a:latin typeface="Arial"/>
+              </a:rPr>
+              <a:t>Seventh Outline Level</a:t>
+            </a:r>
+            <a:endParaRPr b="0" lang="en-IL" sz="1800" spc="-1" strike="noStrike">
+              <a:latin typeface="Arial"/>
+            </a:endParaRPr>
+          </a:p>
+        </p:txBody>
+      </p:sp>
+      <p:sp>
+        <p:nvSpPr>
+          <p:cNvPr id="2" name="PlaceHolder 3"/>
+          <p:cNvSpPr>
+            <a:spLocks noGrp="1"/>
+          </p:cNvSpPr>
+          <p:nvPr>
             <p:ph type="ftr" idx="1"/>
           </p:nvPr>
         </p:nvSpPr>
         <p:spPr>
           <a:xfrm>
             <a:off x="4038480" y="6356520"/>
-            <a:ext cx="4114080" cy="364320"/>
+            <a:ext cx="4113720" cy="363960"/>
           </a:xfrm>
           <a:prstGeom prst="rect">
             <a:avLst/>
@@ -4659,7 +4842,7 @@
       </p:sp>
       <p:sp>
         <p:nvSpPr>
-          <p:cNvPr id="2" name="PlaceHolder 3"/>
+          <p:cNvPr id="3" name="PlaceHolder 4"/>
           <p:cNvSpPr>
             <a:spLocks noGrp="1"/>
           </p:cNvSpPr>
@@ -4670,7 +4853,7 @@
         <p:spPr>
           <a:xfrm>
             <a:off x="8610480" y="6356520"/>
-            <a:ext cx="2742480" cy="364320"/>
+            <a:ext cx="2742120" cy="363960"/>
           </a:xfrm>
           <a:prstGeom prst="rect">
             <a:avLst/>
@@ -4705,7 +4888,7 @@
               </a:lnSpc>
               <a:buNone/>
             </a:pPr>
-            <a:fld id="{7C648285-9829-46B5-9C67-D9C7DF1B6D27}" type="slidenum">
+            <a:fld id="{323507E5-5B94-4C3D-AAD7-15858A72E99E}" type="slidenum">
               <a:rPr b="0" lang="en-IL" sz="1200" spc="-1" strike="noStrike">
                 <a:solidFill>
                   <a:srgbClr val="787878"/>
@@ -4722,7 +4905,7 @@
       </p:sp>
       <p:sp>
         <p:nvSpPr>
-          <p:cNvPr id="3" name="PlaceHolder 4"/>
+          <p:cNvPr id="4" name="PlaceHolder 5"/>
           <p:cNvSpPr>
             <a:spLocks noGrp="1"/>
           </p:cNvSpPr>
@@ -4733,7 +4916,7 @@
         <p:spPr>
           <a:xfrm>
             <a:off x="838080" y="6356520"/>
-            <a:ext cx="2742480" cy="364320"/>
+            <a:ext cx="2742120" cy="363960"/>
           </a:xfrm>
           <a:prstGeom prst="rect">
             <a:avLst/>
@@ -4763,189 +4946,6 @@
             </a:r>
             <a:endParaRPr b="0" lang="en-IL" sz="1400" spc="-1" strike="noStrike">
               <a:latin typeface="Times New Roman"/>
-            </a:endParaRPr>
-          </a:p>
-        </p:txBody>
-      </p:sp>
-      <p:sp>
-        <p:nvSpPr>
-          <p:cNvPr id="4" name="PlaceHolder 5"/>
-          <p:cNvSpPr>
-            <a:spLocks noGrp="1"/>
-          </p:cNvSpPr>
-          <p:nvPr>
-            <p:ph type="body"/>
-          </p:nvPr>
-        </p:nvSpPr>
-        <p:spPr>
-          <a:xfrm>
-            <a:off x="609480" y="1604520"/>
-            <a:ext cx="10972440" cy="3977280"/>
-          </a:xfrm>
-          <a:prstGeom prst="rect">
-            <a:avLst/>
-          </a:prstGeom>
-          <a:noFill/>
-          <a:ln w="0">
-            <a:noFill/>
-          </a:ln>
-        </p:spPr>
-        <p:txBody>
-          <a:bodyPr lIns="0" rIns="0" tIns="0" bIns="0" anchor="t">
-            <a:normAutofit/>
-          </a:bodyPr>
-          <a:p>
-            <a:pPr marL="432000" indent="-324000">
-              <a:spcBef>
-                <a:spcPts val="1417"/>
-              </a:spcBef>
-              <a:buClr>
-                <a:srgbClr val="000000"/>
-              </a:buClr>
-              <a:buSzPct val="45000"/>
-              <a:buFont typeface="Wingdings" charset="2"/>
-              <a:buChar char=""/>
-            </a:pPr>
-            <a:r>
-              <a:rPr b="0" lang="en-IL" sz="3200" spc="-1" strike="noStrike">
-                <a:latin typeface="Arial"/>
-              </a:rPr>
-              <a:t>Click to edit the outline text format</a:t>
-            </a:r>
-            <a:endParaRPr b="0" lang="en-IL" sz="3200" spc="-1" strike="noStrike">
-              <a:latin typeface="Arial"/>
-            </a:endParaRPr>
-          </a:p>
-          <a:p>
-            <a:pPr lvl="1" marL="864000" indent="-324000">
-              <a:spcBef>
-                <a:spcPts val="1134"/>
-              </a:spcBef>
-              <a:buClr>
-                <a:srgbClr val="000000"/>
-              </a:buClr>
-              <a:buSzPct val="75000"/>
-              <a:buFont typeface="Symbol" charset="2"/>
-              <a:buChar char=""/>
-            </a:pPr>
-            <a:r>
-              <a:rPr b="0" lang="en-IL" sz="2800" spc="-1" strike="noStrike">
-                <a:latin typeface="Arial"/>
-              </a:rPr>
-              <a:t>Second Outline Level</a:t>
-            </a:r>
-            <a:endParaRPr b="0" lang="en-IL" sz="2800" spc="-1" strike="noStrike">
-              <a:latin typeface="Arial"/>
-            </a:endParaRPr>
-          </a:p>
-          <a:p>
-            <a:pPr lvl="2" marL="1296000" indent="-288000">
-              <a:spcBef>
-                <a:spcPts val="850"/>
-              </a:spcBef>
-              <a:buClr>
-                <a:srgbClr val="000000"/>
-              </a:buClr>
-              <a:buSzPct val="45000"/>
-              <a:buFont typeface="Wingdings" charset="2"/>
-              <a:buChar char=""/>
-            </a:pPr>
-            <a:r>
-              <a:rPr b="0" lang="en-IL" sz="2400" spc="-1" strike="noStrike">
-                <a:latin typeface="Arial"/>
-              </a:rPr>
-              <a:t>Third Outline Level</a:t>
-            </a:r>
-            <a:endParaRPr b="0" lang="en-IL" sz="2400" spc="-1" strike="noStrike">
-              <a:latin typeface="Arial"/>
-            </a:endParaRPr>
-          </a:p>
-          <a:p>
-            <a:pPr lvl="3" marL="1728000" indent="-216000">
-              <a:spcBef>
-                <a:spcPts val="567"/>
-              </a:spcBef>
-              <a:buClr>
-                <a:srgbClr val="000000"/>
-              </a:buClr>
-              <a:buSzPct val="75000"/>
-              <a:buFont typeface="Symbol" charset="2"/>
-              <a:buChar char=""/>
-            </a:pPr>
-            <a:r>
-              <a:rPr b="0" lang="en-IL" sz="2000" spc="-1" strike="noStrike">
-                <a:latin typeface="Arial"/>
-              </a:rPr>
-              <a:t>Fourth Outline Level</a:t>
-            </a:r>
-            <a:endParaRPr b="0" lang="en-IL" sz="2000" spc="-1" strike="noStrike">
-              <a:latin typeface="Arial"/>
-            </a:endParaRPr>
-          </a:p>
-          <a:p>
-            <a:pPr lvl="4" marL="2160000" indent="-216000">
-              <a:spcBef>
-                <a:spcPts val="283"/>
-              </a:spcBef>
-              <a:buClr>
-                <a:srgbClr val="000000"/>
-              </a:buClr>
-              <a:buSzPct val="45000"/>
-              <a:buFont typeface="Wingdings" charset="2"/>
-              <a:buChar char=""/>
-            </a:pPr>
-            <a:r>
-              <a:rPr b="0" lang="en-IL" sz="2000" spc="-1" strike="noStrike">
-                <a:latin typeface="Arial"/>
-              </a:rPr>
-              <a:t>Fifth Outline Level</a:t>
-            </a:r>
-            <a:endParaRPr b="0" lang="en-IL" sz="2000" spc="-1" strike="noStrike">
-              <a:latin typeface="Arial"/>
-            </a:endParaRPr>
-          </a:p>
-          <a:p>
-            <a:pPr lvl="5" marL="2592000" indent="-216000">
-              <a:spcBef>
-                <a:spcPts val="283"/>
-              </a:spcBef>
-              <a:buClr>
-                <a:srgbClr val="000000"/>
-              </a:buClr>
-              <a:buSzPct val="45000"/>
-              <a:buFont typeface="Wingdings" charset="2"/>
-              <a:buChar char=""/>
-            </a:pPr>
-            <a:r>
-              <a:rPr b="0" lang="en-IL" sz="2000" spc="-1" strike="noStrike">
-                <a:latin typeface="Arial"/>
-              </a:rPr>
-              <a:t>Sixth Outline Level</a:t>
-            </a:r>
-            <a:endParaRPr b="0" lang="en-IL" sz="2000" spc="-1" strike="noStrike">
-              <a:latin typeface="Arial"/>
-            </a:endParaRPr>
-          </a:p>
-          <a:p>
-            <a:pPr lvl="6" marL="3024000" indent="-216000">
-              <a:spcBef>
-                <a:spcPts val="283"/>
-              </a:spcBef>
-              <a:buClr>
-                <a:srgbClr val="000000"/>
-              </a:buClr>
-              <a:buSzPct val="45000"/>
-              <a:buFont typeface="Wingdings" charset="2"/>
-              <a:buChar char=""/>
-            </a:pPr>
-            <a:r>
-              <a:rPr b="0" lang="en-IL" sz="2000" spc="-1" strike="noStrike">
-                <a:latin typeface="Arial"/>
-              </a:rPr>
-              <a:t>Seventh Outline Level</a:t>
-            </a:r>
-            <a:endParaRPr b="0" lang="en-IL" sz="2000" spc="-1" strike="noStrike">
-              <a:latin typeface="Arial"/>
             </a:endParaRPr>
           </a:p>
         </p:txBody>
@@ -5007,7 +5007,7 @@
         <p:spPr>
           <a:xfrm>
             <a:off x="4038480" y="6356520"/>
-            <a:ext cx="4114080" cy="364320"/>
+            <a:ext cx="4113720" cy="363960"/>
           </a:xfrm>
           <a:prstGeom prst="rect">
             <a:avLst/>
@@ -5064,7 +5064,7 @@
         <p:spPr>
           <a:xfrm>
             <a:off x="8610480" y="6356520"/>
-            <a:ext cx="2742480" cy="364320"/>
+            <a:ext cx="2742120" cy="363960"/>
           </a:xfrm>
           <a:prstGeom prst="rect">
             <a:avLst/>
@@ -5099,7 +5099,7 @@
               </a:lnSpc>
               <a:buNone/>
             </a:pPr>
-            <a:fld id="{849C4CCC-23B9-4453-AD4B-EA0493F40C6A}" type="slidenum">
+            <a:fld id="{45CD8E60-DC53-44C0-8FDA-1BAA066B766D}" type="slidenum">
               <a:rPr b="0" lang="en-IL" sz="1200" spc="-1" strike="noStrike">
                 <a:solidFill>
                   <a:srgbClr val="787878"/>
@@ -5127,7 +5127,7 @@
         <p:spPr>
           <a:xfrm>
             <a:off x="838080" y="6356520"/>
-            <a:ext cx="2742480" cy="364320"/>
+            <a:ext cx="2742120" cy="363960"/>
           </a:xfrm>
           <a:prstGeom prst="rect">
             <a:avLst/>
@@ -5435,7 +5435,7 @@
         <p:spPr>
           <a:xfrm>
             <a:off x="648360" y="1838520"/>
-            <a:ext cx="2202840" cy="913680"/>
+            <a:ext cx="2202480" cy="913320"/>
           </a:xfrm>
           <a:prstGeom prst="rect">
             <a:avLst/>
@@ -5501,7 +5501,7 @@
         <p:spPr>
           <a:xfrm>
             <a:off x="100080" y="133200"/>
-            <a:ext cx="2202840" cy="913680"/>
+            <a:ext cx="2202480" cy="913320"/>
           </a:xfrm>
           <a:prstGeom prst="rect">
             <a:avLst/>
@@ -5567,7 +5567,7 @@
         <p:spPr>
           <a:xfrm>
             <a:off x="3079800" y="193680"/>
-            <a:ext cx="2202840" cy="913680"/>
+            <a:ext cx="2202480" cy="913320"/>
           </a:xfrm>
           <a:prstGeom prst="rect">
             <a:avLst/>
@@ -5633,7 +5633,7 @@
         <p:spPr>
           <a:xfrm>
             <a:off x="8998200" y="2618280"/>
-            <a:ext cx="2202840" cy="913680"/>
+            <a:ext cx="2202480" cy="913320"/>
           </a:xfrm>
           <a:prstGeom prst="rect">
             <a:avLst/>
@@ -5699,7 +5699,7 @@
         <p:spPr>
           <a:xfrm>
             <a:off x="7006680" y="946080"/>
-            <a:ext cx="2202840" cy="913680"/>
+            <a:ext cx="2202480" cy="913320"/>
           </a:xfrm>
           <a:prstGeom prst="rect">
             <a:avLst/>
@@ -5765,7 +5765,7 @@
         <p:spPr>
           <a:xfrm>
             <a:off x="5733000" y="4156560"/>
-            <a:ext cx="2202840" cy="913680"/>
+            <a:ext cx="2202480" cy="913320"/>
           </a:xfrm>
           <a:prstGeom prst="rect">
             <a:avLst/>
@@ -5831,7 +5831,7 @@
         <p:spPr>
           <a:xfrm>
             <a:off x="3741480" y="1481400"/>
-            <a:ext cx="2202840" cy="913680"/>
+            <a:ext cx="2202480" cy="913320"/>
           </a:xfrm>
           <a:prstGeom prst="rect">
             <a:avLst/>
@@ -5895,7 +5895,7 @@
         <p:spPr>
           <a:xfrm>
             <a:off x="-2608920" y="2838600"/>
-            <a:ext cx="2202840" cy="913680"/>
+            <a:ext cx="2202480" cy="913320"/>
           </a:xfrm>
           <a:prstGeom prst="rect">
             <a:avLst/>
@@ -5959,7 +5959,7 @@
         <p:spPr>
           <a:xfrm>
             <a:off x="1201680" y="1041480"/>
-            <a:ext cx="360" cy="818280"/>
+            <a:ext cx="360" cy="817920"/>
           </a:xfrm>
           <a:custGeom>
             <a:avLst/>
@@ -6014,8 +6014,8 @@
         </p:nvSpPr>
         <p:spPr>
           <a:xfrm flipH="1">
-            <a:off x="2739600" y="1123920"/>
-            <a:ext cx="446400" cy="713520"/>
+            <a:off x="2738880" y="1123920"/>
+            <a:ext cx="446040" cy="713160"/>
           </a:xfrm>
           <a:custGeom>
             <a:avLst/>
@@ -6071,7 +6071,7 @@
         <p:spPr>
           <a:xfrm>
             <a:off x="2877480" y="1028880"/>
-            <a:ext cx="201600" cy="302760"/>
+            <a:ext cx="201240" cy="302760"/>
           </a:xfrm>
           <a:prstGeom prst="rect">
             <a:avLst/>
@@ -6123,7 +6123,7 @@
         <p:spPr>
           <a:xfrm>
             <a:off x="2538000" y="1516320"/>
-            <a:ext cx="201600" cy="302760"/>
+            <a:ext cx="201240" cy="302760"/>
           </a:xfrm>
           <a:prstGeom prst="rect">
             <a:avLst/>
@@ -6175,7 +6175,7 @@
         <p:spPr>
           <a:xfrm>
             <a:off x="956160" y="1581120"/>
-            <a:ext cx="201600" cy="302760"/>
+            <a:ext cx="201240" cy="302760"/>
           </a:xfrm>
           <a:prstGeom prst="rect">
             <a:avLst/>
@@ -6227,7 +6227,7 @@
         <p:spPr>
           <a:xfrm>
             <a:off x="960120" y="1028880"/>
-            <a:ext cx="201600" cy="302760"/>
+            <a:ext cx="201240" cy="302760"/>
           </a:xfrm>
           <a:prstGeom prst="rect">
             <a:avLst/>
@@ -6279,7 +6279,7 @@
         <p:spPr>
           <a:xfrm>
             <a:off x="-1352160" y="1522440"/>
-            <a:ext cx="201600" cy="302760"/>
+            <a:ext cx="201240" cy="302760"/>
           </a:xfrm>
           <a:prstGeom prst="rect">
             <a:avLst/>
@@ -6331,7 +6331,7 @@
         <p:spPr>
           <a:xfrm>
             <a:off x="-1800360" y="1531800"/>
-            <a:ext cx="201600" cy="302760"/>
+            <a:ext cx="201240" cy="302760"/>
           </a:xfrm>
           <a:prstGeom prst="rect">
             <a:avLst/>
@@ -6383,7 +6383,7 @@
         <p:spPr>
           <a:xfrm>
             <a:off x="-1507320" y="1878120"/>
-            <a:ext cx="201600" cy="302760"/>
+            <a:ext cx="201240" cy="302760"/>
           </a:xfrm>
           <a:prstGeom prst="rect">
             <a:avLst/>
@@ -6434,8 +6434,8 @@
         </p:nvSpPr>
         <p:spPr>
           <a:xfrm flipH="1">
-            <a:off x="2860200" y="2325960"/>
-            <a:ext cx="879840" cy="360"/>
+            <a:off x="2859480" y="2325960"/>
+            <a:ext cx="879480" cy="360"/>
           </a:xfrm>
           <a:custGeom>
             <a:avLst/>
@@ -6491,7 +6491,7 @@
         <p:spPr>
           <a:xfrm>
             <a:off x="3484080" y="2032200"/>
-            <a:ext cx="201600" cy="302760"/>
+            <a:ext cx="201240" cy="302760"/>
           </a:xfrm>
           <a:prstGeom prst="rect">
             <a:avLst/>
@@ -6543,7 +6543,7 @@
         <p:spPr>
           <a:xfrm>
             <a:off x="2851920" y="2032200"/>
-            <a:ext cx="201600" cy="302760"/>
+            <a:ext cx="201240" cy="302760"/>
           </a:xfrm>
           <a:prstGeom prst="rect">
             <a:avLst/>
@@ -6594,8 +6594,8 @@
         </p:nvSpPr>
         <p:spPr>
           <a:xfrm flipH="1">
-            <a:off x="5944320" y="1670400"/>
-            <a:ext cx="1061280" cy="360"/>
+            <a:off x="5943600" y="1670400"/>
+            <a:ext cx="1060920" cy="360"/>
           </a:xfrm>
           <a:custGeom>
             <a:avLst/>
@@ -6651,7 +6651,7 @@
         <p:spPr>
           <a:xfrm>
             <a:off x="6696000" y="1344240"/>
-            <a:ext cx="201600" cy="302760"/>
+            <a:ext cx="201240" cy="302760"/>
           </a:xfrm>
           <a:prstGeom prst="rect">
             <a:avLst/>
@@ -6703,7 +6703,7 @@
         <p:spPr>
           <a:xfrm>
             <a:off x="5942520" y="1326240"/>
-            <a:ext cx="201600" cy="302760"/>
+            <a:ext cx="201240" cy="302760"/>
           </a:xfrm>
           <a:prstGeom prst="rect">
             <a:avLst/>
@@ -6754,8 +6754,8 @@
         </p:nvSpPr>
         <p:spPr>
           <a:xfrm flipH="1">
-            <a:off x="-1847160" y="2340000"/>
-            <a:ext cx="879840" cy="360"/>
+            <a:off x="-1847880" y="2340000"/>
+            <a:ext cx="879480" cy="360"/>
           </a:xfrm>
           <a:custGeom>
             <a:avLst/>
@@ -6813,7 +6813,7 @@
         <p:spPr>
           <a:xfrm>
             <a:off x="8998200" y="4154400"/>
-            <a:ext cx="2202840" cy="913680"/>
+            <a:ext cx="2202480" cy="913320"/>
           </a:xfrm>
           <a:prstGeom prst="rect">
             <a:avLst/>
@@ -6877,7 +6877,7 @@
         <p:spPr>
           <a:xfrm flipV="1">
             <a:off x="7723080" y="1877760"/>
-            <a:ext cx="360" cy="754920"/>
+            <a:ext cx="360" cy="754560"/>
           </a:xfrm>
           <a:custGeom>
             <a:avLst/>
@@ -6935,7 +6935,7 @@
         <p:spPr>
           <a:xfrm>
             <a:off x="5733000" y="2634120"/>
-            <a:ext cx="2202840" cy="913680"/>
+            <a:ext cx="2202480" cy="913320"/>
           </a:xfrm>
           <a:prstGeom prst="rect">
             <a:avLst/>
@@ -6999,7 +6999,7 @@
         <p:spPr>
           <a:xfrm>
             <a:off x="7430400" y="2340000"/>
-            <a:ext cx="201600" cy="302760"/>
+            <a:ext cx="201240" cy="302760"/>
           </a:xfrm>
           <a:prstGeom prst="rect">
             <a:avLst/>
@@ -7051,7 +7051,7 @@
         <p:spPr>
           <a:xfrm>
             <a:off x="7484040" y="1791000"/>
-            <a:ext cx="201600" cy="302760"/>
+            <a:ext cx="201240" cy="302760"/>
           </a:xfrm>
           <a:prstGeom prst="rect">
             <a:avLst/>
@@ -7103,7 +7103,7 @@
         <p:spPr>
           <a:xfrm flipV="1">
             <a:off x="10605960" y="3541320"/>
-            <a:ext cx="360" cy="613800"/>
+            <a:ext cx="360" cy="613440"/>
           </a:xfrm>
           <a:custGeom>
             <a:avLst/>
@@ -7159,7 +7159,7 @@
         <p:spPr>
           <a:xfrm>
             <a:off x="10350000" y="3532680"/>
-            <a:ext cx="201600" cy="302760"/>
+            <a:ext cx="201240" cy="302760"/>
           </a:xfrm>
           <a:prstGeom prst="rect">
             <a:avLst/>
@@ -7211,7 +7211,7 @@
         <p:spPr>
           <a:xfrm>
             <a:off x="10320480" y="3858120"/>
-            <a:ext cx="201600" cy="302760"/>
+            <a:ext cx="201240" cy="302760"/>
           </a:xfrm>
           <a:prstGeom prst="rect">
             <a:avLst/>
@@ -7263,7 +7263,7 @@
         <p:spPr>
           <a:xfrm flipV="1">
             <a:off x="6759720" y="3555720"/>
-            <a:ext cx="360" cy="613800"/>
+            <a:ext cx="360" cy="613440"/>
           </a:xfrm>
           <a:custGeom>
             <a:avLst/>
@@ -7319,7 +7319,7 @@
         <p:spPr>
           <a:xfrm>
             <a:off x="6504120" y="3547080"/>
-            <a:ext cx="201600" cy="302760"/>
+            <a:ext cx="201240" cy="302760"/>
           </a:xfrm>
           <a:prstGeom prst="rect">
             <a:avLst/>
@@ -7371,7 +7371,7 @@
         <p:spPr>
           <a:xfrm>
             <a:off x="6474600" y="3872520"/>
-            <a:ext cx="201600" cy="302760"/>
+            <a:ext cx="201240" cy="302760"/>
           </a:xfrm>
           <a:prstGeom prst="rect">
             <a:avLst/>
@@ -7422,8 +7422,8 @@
         </p:nvSpPr>
         <p:spPr>
           <a:xfrm flipH="1">
-            <a:off x="7938000" y="4647960"/>
-            <a:ext cx="1061280" cy="360"/>
+            <a:off x="7937280" y="4647960"/>
+            <a:ext cx="1060920" cy="360"/>
           </a:xfrm>
           <a:custGeom>
             <a:avLst/>
@@ -7479,7 +7479,7 @@
         <p:spPr>
           <a:xfrm>
             <a:off x="8689680" y="4321800"/>
-            <a:ext cx="201600" cy="302760"/>
+            <a:ext cx="201240" cy="302760"/>
           </a:xfrm>
           <a:prstGeom prst="rect">
             <a:avLst/>
@@ -7531,7 +7531,7 @@
         <p:spPr>
           <a:xfrm>
             <a:off x="7936200" y="4303800"/>
-            <a:ext cx="201600" cy="302760"/>
+            <a:ext cx="201240" cy="302760"/>
           </a:xfrm>
           <a:prstGeom prst="rect">
             <a:avLst/>
@@ -7583,7 +7583,7 @@
         <p:spPr>
           <a:xfrm>
             <a:off x="360000" y="5206320"/>
-            <a:ext cx="2202840" cy="913680"/>
+            <a:ext cx="2202480" cy="913320"/>
           </a:xfrm>
           <a:prstGeom prst="rect">
             <a:avLst/>
@@ -7670,7 +7670,7 @@
         <p:spPr>
           <a:xfrm>
             <a:off x="2700000" y="3586320"/>
-            <a:ext cx="2700000" cy="913680"/>
+            <a:ext cx="2699640" cy="913320"/>
           </a:xfrm>
           <a:prstGeom prst="rect">
             <a:avLst/>
@@ -7734,7 +7734,7 @@
         <p:spPr>
           <a:xfrm>
             <a:off x="2700000" y="2752200"/>
-            <a:ext cx="720000" cy="834120"/>
+            <a:ext cx="719640" cy="833760"/>
           </a:xfrm>
           <a:custGeom>
             <a:avLst/>
@@ -7790,7 +7790,7 @@
         <p:spPr>
           <a:xfrm>
             <a:off x="2851200" y="2700000"/>
-            <a:ext cx="201600" cy="302760"/>
+            <a:ext cx="201240" cy="302760"/>
           </a:xfrm>
           <a:prstGeom prst="rect">
             <a:avLst/>
@@ -7842,7 +7842,7 @@
         <p:spPr>
           <a:xfrm>
             <a:off x="3326400" y="3276000"/>
-            <a:ext cx="201600" cy="302760"/>
+            <a:ext cx="201240" cy="302760"/>
           </a:xfrm>
           <a:prstGeom prst="rect">
             <a:avLst/>
@@ -7928,7 +7928,7 @@
         <p:spPr>
           <a:xfrm>
             <a:off x="838080" y="365040"/>
-            <a:ext cx="10514880" cy="1324800"/>
+            <a:ext cx="10514520" cy="1324440"/>
           </a:xfrm>
           <a:prstGeom prst="rect">
             <a:avLst/>
@@ -8571,6 +8571,12 @@
                       <a:noAutofit/>
                     </a:bodyPr>
                     <a:p>
+                      <a:pPr>
+                        <a:lnSpc>
+                          <a:spcPct val="100000"/>
+                        </a:lnSpc>
+                        <a:buNone/>
+                      </a:pPr>
                       <a:r>
                         <a:rPr b="0" lang="en-IL" sz="1800" spc="-1" strike="noStrike">
                           <a:latin typeface="Arial"/>
@@ -8792,7 +8798,7 @@
         <p:spPr>
           <a:xfrm>
             <a:off x="838080" y="365040"/>
-            <a:ext cx="10514880" cy="1324800"/>
+            <a:ext cx="10514520" cy="1324440"/>
           </a:xfrm>
           <a:prstGeom prst="rect">
             <a:avLst/>
@@ -8836,7 +8842,7 @@
         </p:nvGraphicFramePr>
         <p:xfrm>
           <a:off x="838080" y="1825560"/>
-          <a:ext cx="10514880" cy="1981800"/>
+          <a:ext cx="10514880" cy="1853640"/>
         </p:xfrm>
         <a:graphic>
           <a:graphicData uri="http://schemas.openxmlformats.org/drawingml/2006/table">
@@ -9367,7 +9373,7 @@
                         <a:srgbClr val="ffffff"/>
                       </a:solidFill>
                     </a:lnT>
-                    <a:lnB>
+                    <a:lnB w="12240">
                       <a:noFill/>
                     </a:lnB>
                     <a:solidFill>
@@ -9417,7 +9423,7 @@
                         <a:srgbClr val="ffffff"/>
                       </a:solidFill>
                     </a:lnT>
-                    <a:lnB>
+                    <a:lnB w="12240">
                       <a:noFill/>
                     </a:lnB>
                     <a:solidFill>
@@ -9470,7 +9476,7 @@
                         <a:srgbClr val="ffffff"/>
                       </a:solidFill>
                     </a:lnT>
-                    <a:lnB>
+                    <a:lnB w="12240">
                       <a:noFill/>
                     </a:lnB>
                     <a:solidFill>
@@ -9486,6 +9492,12 @@
                       <a:noAutofit/>
                     </a:bodyPr>
                     <a:p>
+                      <a:pPr>
+                        <a:lnSpc>
+                          <a:spcPct val="100000"/>
+                        </a:lnSpc>
+                        <a:buNone/>
+                      </a:pPr>
                       <a:r>
                         <a:rPr b="0" lang="en-US" sz="1800" spc="-1" strike="noStrike">
                           <a:solidFill>
@@ -9548,7 +9560,7 @@
                         <a:t>int(16)</a:t>
                       </a:r>
                       <a:endParaRPr b="0" lang="en-IL" sz="1800" spc="-1" strike="noStrike">
-                        <a:latin typeface="Times New Roman"/>
+                        <a:latin typeface="Arial"/>
                       </a:endParaRPr>
                     </a:p>
                   </a:txBody>
@@ -9600,10 +9612,10 @@
                           </a:solidFill>
                           <a:latin typeface="Aptos"/>
                         </a:rPr>
-                        <a:t>Not Null</a:t>
-                      </a:r>
-                      <a:endParaRPr b="0" lang="en-IL" sz="1800" spc="-1" strike="noStrike">
-                        <a:latin typeface="Times New Roman"/>
+                        <a:t>Not Null, in mg/ml</a:t>
+                      </a:r>
+                      <a:endParaRPr b="0" lang="en-IL" sz="1800" spc="-1" strike="noStrike">
+                        <a:latin typeface="Arial"/>
                       </a:endParaRPr>
                     </a:p>
                   </a:txBody>
@@ -9681,7 +9693,7 @@
         <p:spPr>
           <a:xfrm>
             <a:off x="838080" y="365040"/>
-            <a:ext cx="10514880" cy="1324800"/>
+            <a:ext cx="10514520" cy="1324440"/>
           </a:xfrm>
           <a:prstGeom prst="rect">
             <a:avLst/>
@@ -9725,7 +9737,7 @@
         </p:nvGraphicFramePr>
         <p:xfrm>
           <a:off x="838080" y="1825560"/>
-          <a:ext cx="10514880" cy="4430880"/>
+          <a:ext cx="10514880" cy="2416680"/>
         </p:xfrm>
         <a:graphic>
           <a:graphicData uri="http://schemas.openxmlformats.org/drawingml/2006/table">
@@ -10706,7 +10718,7 @@
         <p:spPr>
           <a:xfrm>
             <a:off x="838080" y="365040"/>
-            <a:ext cx="10514880" cy="1324800"/>
+            <a:ext cx="10514520" cy="1324440"/>
           </a:xfrm>
           <a:prstGeom prst="rect">
             <a:avLst/>
@@ -11604,7 +11616,7 @@
         <p:spPr>
           <a:xfrm>
             <a:off x="838080" y="365040"/>
-            <a:ext cx="10514880" cy="1324800"/>
+            <a:ext cx="10514520" cy="1324440"/>
           </a:xfrm>
           <a:prstGeom prst="rect">
             <a:avLst/>
@@ -11995,7 +12007,7 @@
                           </a:solidFill>
                           <a:latin typeface="Aptos"/>
                         </a:rPr>
-                        <a:t>Username</a:t>
+                        <a:t>PhoneNumber</a:t>
                       </a:r>
                       <a:endParaRPr b="0" lang="en-IL" sz="1800" spc="-1" strike="noStrike">
                         <a:latin typeface="Arial"/>
@@ -12047,7 +12059,7 @@
                           </a:solidFill>
                           <a:latin typeface="Aptos"/>
                         </a:rPr>
-                        <a:t>varchar(50)</a:t>
+                        <a:t>varchar(15)</a:t>
                       </a:r>
                       <a:endParaRPr b="0" lang="en-IL" sz="1800" spc="-1" strike="noStrike">
                         <a:latin typeface="Arial"/>
@@ -12153,7 +12165,7 @@
                           </a:solidFill>
                           <a:latin typeface="Aptos"/>
                         </a:rPr>
-                        <a:t>Password</a:t>
+                        <a:t>cardID</a:t>
                       </a:r>
                       <a:endParaRPr b="0" lang="en-IL" sz="1800" spc="-1" strike="noStrike">
                         <a:latin typeface="Arial"/>
@@ -12208,7 +12220,7 @@
                           </a:solidFill>
                           <a:latin typeface="Aptos"/>
                         </a:rPr>
-                        <a:t>varchar(250)</a:t>
+                        <a:t>varchar(15)</a:t>
                       </a:r>
                       <a:endParaRPr b="0" lang="en-IL" sz="1800" spc="-1" strike="noStrike">
                         <a:latin typeface="Arial"/>
@@ -12260,7 +12272,7 @@
                           </a:solidFill>
                           <a:latin typeface="Aptos"/>
                         </a:rPr>
-                        <a:t>Not Null, MD5 hash</a:t>
+                        <a:t>Not Null</a:t>
                       </a:r>
                       <a:endParaRPr b="0" lang="en-IL" sz="1800" spc="-1" strike="noStrike">
                         <a:latin typeface="Arial"/>
@@ -12341,7 +12353,7 @@
         <p:spPr>
           <a:xfrm>
             <a:off x="838080" y="365040"/>
-            <a:ext cx="10514880" cy="1324800"/>
+            <a:ext cx="10514520" cy="1324440"/>
           </a:xfrm>
           <a:prstGeom prst="rect">
             <a:avLst/>
@@ -13712,12 +13724,8 @@
                         </a:rPr>
                         <a:t>Lookup1001</a:t>
                       </a:r>
-                      <a:endParaRPr b="0" lang="en-US" sz="1800" spc="-1" strike="noStrike">
-                        <a:solidFill>
-                          <a:srgbClr val="000000"/>
-                        </a:solidFill>
-                        <a:latin typeface="Aptos"/>
-                        <a:ea typeface="Noto Sans CJK SC"/>
+                      <a:endParaRPr b="0" lang="en-IL" sz="1800" spc="-1" strike="noStrike">
+                        <a:latin typeface="Arial"/>
                       </a:endParaRPr>
                     </a:p>
                   </a:txBody>
@@ -14061,6 +14069,133 @@
                     </a:lnB>
                     <a:solidFill>
                       <a:srgbClr val="e7eaec"/>
+                    </a:solidFill>
+                  </a:tcPr>
+                </a:tc>
+              </a:tr>
+              <a:tr h="402840">
+                <a:tc>
+                  <a:txBody>
+                    <a:bodyPr anchor="t">
+                      <a:noAutofit/>
+                    </a:bodyPr>
+                    <a:p>
+                      <a:pPr>
+                        <a:lnSpc>
+                          <a:spcPct val="100000"/>
+                        </a:lnSpc>
+                        <a:buNone/>
+                      </a:pPr>
+                      <a:r>
+                        <a:rPr b="0" lang="en-US" sz="1800" spc="-1" strike="noStrike">
+                          <a:solidFill>
+                            <a:srgbClr val="000000"/>
+                          </a:solidFill>
+                          <a:latin typeface="Aptos"/>
+                        </a:rPr>
+                        <a:t>Email</a:t>
+                      </a:r>
+                      <a:endParaRPr b="0" lang="en-IL" sz="1800" spc="-1" strike="noStrike">
+                        <a:latin typeface="Times New Roman"/>
+                      </a:endParaRPr>
+                    </a:p>
+                  </a:txBody>
+                  <a:tcPr anchor="t" marL="91440" marR="91440">
+                    <a:lnL w="12240">
+                      <a:solidFill>
+                        <a:srgbClr val="ffffff"/>
+                      </a:solidFill>
+                    </a:lnL>
+                    <a:lnR w="12240">
+                      <a:solidFill>
+                        <a:srgbClr val="ffffff"/>
+                      </a:solidFill>
+                    </a:lnR>
+                    <a:lnT w="12240">
+                      <a:solidFill>
+                        <a:srgbClr val="ffffff"/>
+                      </a:solidFill>
+                    </a:lnT>
+                    <a:lnB w="12240">
+                      <a:solidFill>
+                        <a:srgbClr val="ffffff"/>
+                      </a:solidFill>
+                    </a:lnB>
+                    <a:solidFill>
+                      <a:srgbClr val="ccd2d8"/>
+                    </a:solidFill>
+                  </a:tcPr>
+                </a:tc>
+                <a:tc>
+                  <a:txBody>
+                    <a:bodyPr anchor="t">
+                      <a:noAutofit/>
+                    </a:bodyPr>
+                    <a:p>
+                      <a:r>
+                        <a:rPr b="0" lang="en-US" sz="1800" spc="-1" strike="noStrike">
+                          <a:solidFill>
+                            <a:srgbClr val="000000"/>
+                          </a:solidFill>
+                          <a:latin typeface="Aptos"/>
+                        </a:rPr>
+                        <a:t>varchar(124)</a:t>
+                      </a:r>
+                      <a:endParaRPr b="0" lang="en-IL" sz="1800" spc="-1" strike="noStrike">
+                        <a:latin typeface="Times New Roman"/>
+                      </a:endParaRPr>
+                    </a:p>
+                  </a:txBody>
+                  <a:tcPr anchor="t" marL="91440" marR="91440">
+                    <a:lnL w="12240">
+                      <a:solidFill>
+                        <a:srgbClr val="ffffff"/>
+                      </a:solidFill>
+                    </a:lnL>
+                    <a:lnR w="12240">
+                      <a:solidFill>
+                        <a:srgbClr val="ffffff"/>
+                      </a:solidFill>
+                    </a:lnR>
+                    <a:lnT w="12240">
+                      <a:solidFill>
+                        <a:srgbClr val="ffffff"/>
+                      </a:solidFill>
+                    </a:lnT>
+                    <a:lnB w="12240">
+                      <a:solidFill>
+                        <a:srgbClr val="ffffff"/>
+                      </a:solidFill>
+                    </a:lnB>
+                    <a:solidFill>
+                      <a:srgbClr val="ccd2d8"/>
+                    </a:solidFill>
+                  </a:tcPr>
+                </a:tc>
+                <a:tc>
+                  <a:tcPr anchor="t" marL="91440" marR="91440">
+                    <a:lnL w="12240">
+                      <a:solidFill>
+                        <a:srgbClr val="ffffff"/>
+                      </a:solidFill>
+                    </a:lnL>
+                    <a:lnR w="12240">
+                      <a:solidFill>
+                        <a:srgbClr val="ffffff"/>
+                      </a:solidFill>
+                    </a:lnR>
+                    <a:lnT w="12240">
+                      <a:solidFill>
+                        <a:srgbClr val="ffffff"/>
+                      </a:solidFill>
+                    </a:lnT>
+                    <a:lnB w="12240">
+                      <a:solidFill>
+                        <a:srgbClr val="ffffff"/>
+                      </a:solidFill>
+                    </a:lnB>
+                    <a:solidFill>
+                      <a:srgbClr val="ccd2d8"/>
                     </a:solidFill>
                   </a:tcPr>
                 </a:tc>
@@ -14112,7 +14247,7 @@
         <p:spPr>
           <a:xfrm>
             <a:off x="838080" y="0"/>
-            <a:ext cx="10514880" cy="624600"/>
+            <a:ext cx="10514520" cy="624240"/>
           </a:xfrm>
           <a:prstGeom prst="rect">
             <a:avLst/>
@@ -15974,16 +16109,7 @@
                           <a:latin typeface="Aptos"/>
                           <a:ea typeface="Noto Sans CJK SC"/>
                         </a:rPr>
-                        <a:t>f</a:t>
-                      </a:r>
-                      <a:r>
-                        <a:rPr b="0" lang="en-US" sz="1800" spc="-1" strike="noStrike">
-                          <a:solidFill>
-                            <a:srgbClr val="000000"/>
-                          </a:solidFill>
-                          <a:latin typeface="Aptos"/>
-                        </a:rPr>
-                        <a:t>loat(5, 2)</a:t>
+                        <a:t>float(5, 2)</a:t>
                       </a:r>
                       <a:endParaRPr b="0" lang="en-IL" sz="1800" spc="-1" strike="noStrike">
                         <a:latin typeface="Arial"/>
@@ -16389,16 +16515,7 @@
                           <a:latin typeface="Aptos"/>
                           <a:ea typeface="Noto Sans CJK SC"/>
                         </a:rPr>
-                        <a:t>f</a:t>
-                      </a:r>
-                      <a:r>
-                        <a:rPr b="0" lang="en-US" sz="1800" spc="-1" strike="noStrike">
-                          <a:solidFill>
-                            <a:srgbClr val="000000"/>
-                          </a:solidFill>
-                          <a:latin typeface="Aptos"/>
-                        </a:rPr>
-                        <a:t>loat(5, 2)</a:t>
+                        <a:t>float(5, 2)</a:t>
                       </a:r>
                       <a:endParaRPr b="0" lang="en-IL" sz="1800" spc="-1" strike="noStrike">
                         <a:latin typeface="Arial"/>
@@ -16535,16 +16652,7 @@
                           <a:latin typeface="Aptos"/>
                           <a:ea typeface="Noto Sans CJK SC"/>
                         </a:rPr>
-                        <a:t>f</a:t>
-                      </a:r>
-                      <a:r>
-                        <a:rPr b="0" lang="en-US" sz="1800" spc="-1" strike="noStrike">
-                          <a:solidFill>
-                            <a:srgbClr val="000000"/>
-                          </a:solidFill>
-                          <a:latin typeface="Aptos"/>
-                        </a:rPr>
-                        <a:t>loat(5, 2)</a:t>
+                        <a:t>float(5, 2)</a:t>
                       </a:r>
                       <a:endParaRPr b="0" lang="en-IL" sz="1800" spc="-1" strike="noStrike">
                         <a:latin typeface="Arial"/>
@@ -16684,16 +16792,7 @@
                           <a:latin typeface="Aptos"/>
                           <a:ea typeface="Noto Sans CJK SC"/>
                         </a:rPr>
-                        <a:t>f</a:t>
-                      </a:r>
-                      <a:r>
-                        <a:rPr b="0" lang="en-US" sz="1800" spc="-1" strike="noStrike">
-                          <a:solidFill>
-                            <a:srgbClr val="000000"/>
-                          </a:solidFill>
-                          <a:latin typeface="Aptos"/>
-                        </a:rPr>
-                        <a:t>loat(5, 2)</a:t>
+                        <a:t>float(5, 2)</a:t>
                       </a:r>
                       <a:endParaRPr b="0" lang="en-IL" sz="1800" spc="-1" strike="noStrike">
                         <a:latin typeface="Arial"/>
@@ -16801,7 +16900,7 @@
         <p:spPr>
           <a:xfrm>
             <a:off x="838080" y="365040"/>
-            <a:ext cx="10514880" cy="1324800"/>
+            <a:ext cx="10514520" cy="1324440"/>
           </a:xfrm>
           <a:prstGeom prst="rect">
             <a:avLst/>
@@ -17643,7 +17742,7 @@
         <p:spPr>
           <a:xfrm>
             <a:off x="838080" y="365040"/>
-            <a:ext cx="10514880" cy="1324800"/>
+            <a:ext cx="10514520" cy="1324440"/>
           </a:xfrm>
           <a:prstGeom prst="rect">
             <a:avLst/>
@@ -18841,7 +18940,7 @@
         <p:spPr>
           <a:xfrm>
             <a:off x="838080" y="365040"/>
-            <a:ext cx="10514880" cy="1324800"/>
+            <a:ext cx="10514520" cy="1324440"/>
           </a:xfrm>
           <a:prstGeom prst="rect">
             <a:avLst/>
@@ -20792,7 +20891,7 @@
         <p:spPr>
           <a:xfrm>
             <a:off x="838080" y="365040"/>
-            <a:ext cx="10514880" cy="1324800"/>
+            <a:ext cx="10514520" cy="1324440"/>
           </a:xfrm>
           <a:prstGeom prst="rect">
             <a:avLst/>

--- a/ProjectDocumentaion/TableDesigns.pptx
+++ b/ProjectDocumentaion/TableDesigns.pptx
@@ -75,7 +75,7 @@
         <p:txBody>
           <a:bodyPr/>
           <a:p>
-            <a:fld id="{C5A40572-0088-499D-9367-4F391ABA7678}" type="slidenum">
+            <a:fld id="{095CB5CA-EE19-486A-895D-53C9D6EB9444}" type="slidenum">
               <a:t>&lt;#&gt;</a:t>
             </a:fld>
           </a:p>
@@ -263,7 +263,7 @@
         <p:txBody>
           <a:bodyPr/>
           <a:p>
-            <a:fld id="{7B9E3C10-EA2C-444B-9E10-779C6ACBDDC7}" type="slidenum">
+            <a:fld id="{4985A062-C2C3-4500-B6A8-89F0489EC64E}" type="slidenum">
               <a:t>&lt;#&gt;</a:t>
             </a:fld>
           </a:p>
@@ -519,7 +519,7 @@
         <p:txBody>
           <a:bodyPr/>
           <a:p>
-            <a:fld id="{62073B43-D7F4-45E2-B31C-658D79F83252}" type="slidenum">
+            <a:fld id="{709B5355-08E1-475D-9479-964E6CF5FB17}" type="slidenum">
               <a:t>&lt;#&gt;</a:t>
             </a:fld>
           </a:p>
@@ -843,7 +843,7 @@
         <p:txBody>
           <a:bodyPr/>
           <a:p>
-            <a:fld id="{3EC464B2-3AFF-4A60-AB83-B5E22444974F}" type="slidenum">
+            <a:fld id="{9B9D58A1-DBDC-4EBD-8D50-E1E0EB4D5B84}" type="slidenum">
               <a:t>&lt;#&gt;</a:t>
             </a:fld>
           </a:p>
@@ -926,7 +926,7 @@
         <p:txBody>
           <a:bodyPr/>
           <a:p>
-            <a:fld id="{857FC480-028D-4286-8B19-5C222EFE4677}" type="slidenum">
+            <a:fld id="{338B3428-2BE0-47A4-89A4-AB7EB4A987AD}" type="slidenum">
               <a:t>&lt;#&gt;</a:t>
             </a:fld>
           </a:p>
@@ -1083,7 +1083,7 @@
         <p:txBody>
           <a:bodyPr/>
           <a:p>
-            <a:fld id="{8772B7B2-0BDF-49F4-A393-EEC8CDE93848}" type="slidenum">
+            <a:fld id="{EEFA3677-1312-474B-9AA3-79BEB726D2F7}" type="slidenum">
               <a:t>&lt;#&gt;</a:t>
             </a:fld>
           </a:p>
@@ -1237,7 +1237,7 @@
         <p:txBody>
           <a:bodyPr/>
           <a:p>
-            <a:fld id="{8EC230C0-C191-4EC7-963B-3FB98C090B2A}" type="slidenum">
+            <a:fld id="{4B95E983-C530-4DD0-8BD0-91ED337CF53B}" type="slidenum">
               <a:t>&lt;#&gt;</a:t>
             </a:fld>
           </a:p>
@@ -1425,7 +1425,7 @@
         <p:txBody>
           <a:bodyPr/>
           <a:p>
-            <a:fld id="{4065507A-B442-4A50-AFB6-403E60C173D3}" type="slidenum">
+            <a:fld id="{0EE53FF3-4366-4F12-8EB2-3EE716C32910}" type="slidenum">
               <a:t>&lt;#&gt;</a:t>
             </a:fld>
           </a:p>
@@ -1545,7 +1545,7 @@
         <p:txBody>
           <a:bodyPr/>
           <a:p>
-            <a:fld id="{6339D922-A378-43B3-8DC9-144BBD0873C4}" type="slidenum">
+            <a:fld id="{A0045C4F-48A9-4913-8E21-4BCDD5698972}" type="slidenum">
               <a:t>&lt;#&gt;</a:t>
             </a:fld>
           </a:p>
@@ -1665,7 +1665,7 @@
         <p:txBody>
           <a:bodyPr/>
           <a:p>
-            <a:fld id="{37C8D908-F7F6-4AD0-8041-7F27400BD683}" type="slidenum">
+            <a:fld id="{1E3DB57F-D24C-42B7-AEA4-946273986CBB}" type="slidenum">
               <a:t>&lt;#&gt;</a:t>
             </a:fld>
           </a:p>
@@ -1887,7 +1887,7 @@
         <p:txBody>
           <a:bodyPr/>
           <a:p>
-            <a:fld id="{55A20932-5957-44A8-BBF0-9FB65E601A88}" type="slidenum">
+            <a:fld id="{F84D6AC5-9808-485C-AD9A-879017450A88}" type="slidenum">
               <a:t>&lt;#&gt;</a:t>
             </a:fld>
           </a:p>
@@ -2044,7 +2044,7 @@
         <p:txBody>
           <a:bodyPr/>
           <a:p>
-            <a:fld id="{9D46664C-ABF5-4DF3-8B05-45E5339CB283}" type="slidenum">
+            <a:fld id="{1585C659-E2E7-47CD-9388-7067576265E2}" type="slidenum">
               <a:t>&lt;#&gt;</a:t>
             </a:fld>
           </a:p>
@@ -2266,7 +2266,7 @@
         <p:txBody>
           <a:bodyPr/>
           <a:p>
-            <a:fld id="{5A2DAE01-473A-459E-A3BD-020D666AD5BB}" type="slidenum">
+            <a:fld id="{6B44A898-EE16-41BF-B534-E08D7AF4B885}" type="slidenum">
               <a:t>&lt;#&gt;</a:t>
             </a:fld>
           </a:p>
@@ -2488,7 +2488,7 @@
         <p:txBody>
           <a:bodyPr/>
           <a:p>
-            <a:fld id="{E6C5D11C-3177-4368-A566-3AD572F2228B}" type="slidenum">
+            <a:fld id="{02AF8A4E-2957-4D1C-B722-FD6ED5E9D1D6}" type="slidenum">
               <a:t>&lt;#&gt;</a:t>
             </a:fld>
           </a:p>
@@ -2676,7 +2676,7 @@
         <p:txBody>
           <a:bodyPr/>
           <a:p>
-            <a:fld id="{5791D792-D654-4BBE-9683-CD728EB657EA}" type="slidenum">
+            <a:fld id="{9072F37F-1652-4BC4-A994-7227DFAA8D2F}" type="slidenum">
               <a:t>&lt;#&gt;</a:t>
             </a:fld>
           </a:p>
@@ -2932,7 +2932,7 @@
         <p:txBody>
           <a:bodyPr/>
           <a:p>
-            <a:fld id="{01E53EEF-626D-4E0E-9F7E-877398B53028}" type="slidenum">
+            <a:fld id="{1DB8712E-850D-4C8F-8D0D-451F79C8C395}" type="slidenum">
               <a:t>&lt;#&gt;</a:t>
             </a:fld>
           </a:p>
@@ -3256,7 +3256,7 @@
         <p:txBody>
           <a:bodyPr/>
           <a:p>
-            <a:fld id="{88A0D36F-ADEF-4959-9FC3-87D4D07C67AC}" type="slidenum">
+            <a:fld id="{0E53550D-3C7B-4CB3-9EB9-B37B85EFA0E1}" type="slidenum">
               <a:t>&lt;#&gt;</a:t>
             </a:fld>
           </a:p>
@@ -3410,7 +3410,7 @@
         <p:txBody>
           <a:bodyPr/>
           <a:p>
-            <a:fld id="{401550D2-361A-4BD2-B4FC-46A07016FA8B}" type="slidenum">
+            <a:fld id="{DF377A6F-0D1A-4EB5-B9EC-021C0E4CDFD3}" type="slidenum">
               <a:t>&lt;#&gt;</a:t>
             </a:fld>
           </a:p>
@@ -3598,7 +3598,7 @@
         <p:txBody>
           <a:bodyPr/>
           <a:p>
-            <a:fld id="{268FE4B7-303E-4AC4-BA0A-03B4EF0B3A56}" type="slidenum">
+            <a:fld id="{EF165BA9-A2A9-4D1E-A874-51B884A49309}" type="slidenum">
               <a:t>&lt;#&gt;</a:t>
             </a:fld>
           </a:p>
@@ -3718,7 +3718,7 @@
         <p:txBody>
           <a:bodyPr/>
           <a:p>
-            <a:fld id="{B839F315-8608-487D-AA9D-CA6208E86D57}" type="slidenum">
+            <a:fld id="{ABA3BE4B-A6DD-4443-9AF4-47A873E9D809}" type="slidenum">
               <a:t>&lt;#&gt;</a:t>
             </a:fld>
           </a:p>
@@ -3838,7 +3838,7 @@
         <p:txBody>
           <a:bodyPr/>
           <a:p>
-            <a:fld id="{904D9028-CCB6-43C5-B8FF-50461591FD7E}" type="slidenum">
+            <a:fld id="{75188C2F-EA49-41FC-B03A-CA0BFA5E5C50}" type="slidenum">
               <a:t>&lt;#&gt;</a:t>
             </a:fld>
           </a:p>
@@ -4060,7 +4060,7 @@
         <p:txBody>
           <a:bodyPr/>
           <a:p>
-            <a:fld id="{6FA2778B-7B13-4D39-AEB5-FF3F2CC112F6}" type="slidenum">
+            <a:fld id="{4FFE929F-2D78-4419-87E8-F2A6A8AE6693}" type="slidenum">
               <a:t>&lt;#&gt;</a:t>
             </a:fld>
           </a:p>
@@ -4282,7 +4282,7 @@
         <p:txBody>
           <a:bodyPr/>
           <a:p>
-            <a:fld id="{AEC30A81-C71B-415C-8D15-3C6C7276892F}" type="slidenum">
+            <a:fld id="{A3A6F46B-B509-429D-8DAD-E1407E4852FF}" type="slidenum">
               <a:t>&lt;#&gt;</a:t>
             </a:fld>
           </a:p>
@@ -4504,7 +4504,7 @@
         <p:txBody>
           <a:bodyPr/>
           <a:p>
-            <a:fld id="{24A47D38-8081-4358-8928-AEE62C7E461D}" type="slidenum">
+            <a:fld id="{C18253C0-4CF9-4F06-8272-863082170142}" type="slidenum">
               <a:t>&lt;#&gt;</a:t>
             </a:fld>
           </a:p>
@@ -4567,236 +4567,13 @@
             <a:spLocks noGrp="1"/>
           </p:cNvSpPr>
           <p:nvPr>
-            <p:ph type="title"/>
-          </p:nvPr>
-        </p:nvSpPr>
-        <p:spPr>
-          <a:xfrm>
-            <a:off x="609480" y="273600"/>
-            <a:ext cx="10972080" cy="1144440"/>
-          </a:xfrm>
-          <a:prstGeom prst="rect">
-            <a:avLst/>
-          </a:prstGeom>
-          <a:noFill/>
-          <a:ln w="0">
-            <a:noFill/>
-          </a:ln>
-        </p:spPr>
-        <p:txBody>
-          <a:bodyPr lIns="0" rIns="0" tIns="0" bIns="0" anchor="ctr">
-            <a:noAutofit/>
-          </a:bodyPr>
-          <a:p>
-            <a:r>
-              <a:rPr b="0" lang="en-IL" sz="1800" spc="-1" strike="noStrike">
-                <a:latin typeface="Arial"/>
-              </a:rPr>
-              <a:t>Click to edit the title text format</a:t>
-            </a:r>
-            <a:endParaRPr b="0" lang="en-IL" sz="1800" spc="-1" strike="noStrike">
-              <a:latin typeface="Arial"/>
-            </a:endParaRPr>
-          </a:p>
-        </p:txBody>
-      </p:sp>
-      <p:sp>
-        <p:nvSpPr>
-          <p:cNvPr id="1" name="PlaceHolder 2"/>
-          <p:cNvSpPr>
-            <a:spLocks noGrp="1"/>
-          </p:cNvSpPr>
-          <p:nvPr>
-            <p:ph type="body"/>
-          </p:nvPr>
-        </p:nvSpPr>
-        <p:spPr>
-          <a:xfrm>
-            <a:off x="609480" y="1604520"/>
-            <a:ext cx="10972080" cy="3976920"/>
-          </a:xfrm>
-          <a:prstGeom prst="rect">
-            <a:avLst/>
-          </a:prstGeom>
-          <a:noFill/>
-          <a:ln w="0">
-            <a:noFill/>
-          </a:ln>
-        </p:spPr>
-        <p:txBody>
-          <a:bodyPr lIns="0" rIns="0" tIns="0" bIns="0" anchor="t">
-            <a:normAutofit/>
-          </a:bodyPr>
-          <a:p>
-            <a:pPr marL="432000" indent="-324000">
-              <a:spcBef>
-                <a:spcPts val="1417"/>
-              </a:spcBef>
-              <a:buClr>
-                <a:srgbClr val="000000"/>
-              </a:buClr>
-              <a:buSzPct val="45000"/>
-              <a:buFont typeface="Wingdings" charset="2"/>
-              <a:buChar char=""/>
-            </a:pPr>
-            <a:r>
-              <a:rPr b="0" lang="en-IL" sz="1800" spc="-1" strike="noStrike">
-                <a:latin typeface="Arial"/>
-              </a:rPr>
-              <a:t>Click to edit the outline text format</a:t>
-            </a:r>
-            <a:endParaRPr b="0" lang="en-IL" sz="1800" spc="-1" strike="noStrike">
-              <a:latin typeface="Arial"/>
-            </a:endParaRPr>
-          </a:p>
-          <a:p>
-            <a:pPr lvl="1" marL="864000" indent="-324000">
-              <a:spcBef>
-                <a:spcPts val="1134"/>
-              </a:spcBef>
-              <a:buClr>
-                <a:srgbClr val="000000"/>
-              </a:buClr>
-              <a:buSzPct val="75000"/>
-              <a:buFont typeface="Symbol" charset="2"/>
-              <a:buChar char=""/>
-            </a:pPr>
-            <a:r>
-              <a:rPr b="0" lang="en-IL" sz="1800" spc="-1" strike="noStrike">
-                <a:latin typeface="Arial"/>
-              </a:rPr>
-              <a:t>Second Outline Level</a:t>
-            </a:r>
-            <a:endParaRPr b="0" lang="en-IL" sz="1800" spc="-1" strike="noStrike">
-              <a:latin typeface="Arial"/>
-            </a:endParaRPr>
-          </a:p>
-          <a:p>
-            <a:pPr lvl="2" marL="1296000" indent="-288000">
-              <a:spcBef>
-                <a:spcPts val="850"/>
-              </a:spcBef>
-              <a:buClr>
-                <a:srgbClr val="000000"/>
-              </a:buClr>
-              <a:buSzPct val="45000"/>
-              <a:buFont typeface="Wingdings" charset="2"/>
-              <a:buChar char=""/>
-            </a:pPr>
-            <a:r>
-              <a:rPr b="0" lang="en-IL" sz="1800" spc="-1" strike="noStrike">
-                <a:latin typeface="Arial"/>
-              </a:rPr>
-              <a:t>Third Outline Level</a:t>
-            </a:r>
-            <a:endParaRPr b="0" lang="en-IL" sz="1800" spc="-1" strike="noStrike">
-              <a:latin typeface="Arial"/>
-            </a:endParaRPr>
-          </a:p>
-          <a:p>
-            <a:pPr lvl="3" marL="1728000" indent="-216000">
-              <a:spcBef>
-                <a:spcPts val="567"/>
-              </a:spcBef>
-              <a:buClr>
-                <a:srgbClr val="000000"/>
-              </a:buClr>
-              <a:buSzPct val="75000"/>
-              <a:buFont typeface="Symbol" charset="2"/>
-              <a:buChar char=""/>
-            </a:pPr>
-            <a:r>
-              <a:rPr b="0" lang="en-IL" sz="1800" spc="-1" strike="noStrike">
-                <a:latin typeface="Arial"/>
-              </a:rPr>
-              <a:t>Fourth Outline Level</a:t>
-            </a:r>
-            <a:endParaRPr b="0" lang="en-IL" sz="1800" spc="-1" strike="noStrike">
-              <a:latin typeface="Arial"/>
-            </a:endParaRPr>
-          </a:p>
-          <a:p>
-            <a:pPr lvl="4" marL="2160000" indent="-216000">
-              <a:spcBef>
-                <a:spcPts val="283"/>
-              </a:spcBef>
-              <a:buClr>
-                <a:srgbClr val="000000"/>
-              </a:buClr>
-              <a:buSzPct val="45000"/>
-              <a:buFont typeface="Wingdings" charset="2"/>
-              <a:buChar char=""/>
-            </a:pPr>
-            <a:r>
-              <a:rPr b="0" lang="en-IL" sz="1800" spc="-1" strike="noStrike">
-                <a:latin typeface="Arial"/>
-              </a:rPr>
-              <a:t>Fifth Outline Level</a:t>
-            </a:r>
-            <a:endParaRPr b="0" lang="en-IL" sz="1800" spc="-1" strike="noStrike">
-              <a:latin typeface="Arial"/>
-            </a:endParaRPr>
-          </a:p>
-          <a:p>
-            <a:pPr lvl="5" marL="2592000" indent="-216000">
-              <a:spcBef>
-                <a:spcPts val="283"/>
-              </a:spcBef>
-              <a:buClr>
-                <a:srgbClr val="000000"/>
-              </a:buClr>
-              <a:buSzPct val="45000"/>
-              <a:buFont typeface="Wingdings" charset="2"/>
-              <a:buChar char=""/>
-            </a:pPr>
-            <a:r>
-              <a:rPr b="0" lang="en-IL" sz="1800" spc="-1" strike="noStrike">
-                <a:latin typeface="Arial"/>
-              </a:rPr>
-              <a:t>Sixth Outline Level</a:t>
-            </a:r>
-            <a:endParaRPr b="0" lang="en-IL" sz="1800" spc="-1" strike="noStrike">
-              <a:latin typeface="Arial"/>
-            </a:endParaRPr>
-          </a:p>
-          <a:p>
-            <a:pPr lvl="6" marL="3024000" indent="-216000">
-              <a:spcBef>
-                <a:spcPts val="283"/>
-              </a:spcBef>
-              <a:buClr>
-                <a:srgbClr val="000000"/>
-              </a:buClr>
-              <a:buSzPct val="45000"/>
-              <a:buFont typeface="Wingdings" charset="2"/>
-              <a:buChar char=""/>
-            </a:pPr>
-            <a:r>
-              <a:rPr b="0" lang="en-IL" sz="1800" spc="-1" strike="noStrike">
-                <a:latin typeface="Arial"/>
-              </a:rPr>
-              <a:t>Seventh Outline Level</a:t>
-            </a:r>
-            <a:endParaRPr b="0" lang="en-IL" sz="1800" spc="-1" strike="noStrike">
-              <a:latin typeface="Arial"/>
-            </a:endParaRPr>
-          </a:p>
-        </p:txBody>
-      </p:sp>
-      <p:sp>
-        <p:nvSpPr>
-          <p:cNvPr id="2" name="PlaceHolder 3"/>
-          <p:cNvSpPr>
-            <a:spLocks noGrp="1"/>
-          </p:cNvSpPr>
-          <p:nvPr>
             <p:ph type="ftr" idx="1"/>
           </p:nvPr>
         </p:nvSpPr>
         <p:spPr>
           <a:xfrm>
             <a:off x="4038480" y="6356520"/>
-            <a:ext cx="4113720" cy="363960"/>
+            <a:ext cx="4113000" cy="363240"/>
           </a:xfrm>
           <a:prstGeom prst="rect">
             <a:avLst/>
@@ -4832,7 +4609,7 @@
               <a:rPr b="0" lang="en-IL" sz="1400" spc="-1" strike="noStrike">
                 <a:latin typeface="Times New Roman"/>
               </a:rPr>
-              <a:t>&lt;footer&gt;</a:t>
+              <a:t> </a:t>
             </a:r>
             <a:endParaRPr b="0" lang="en-IL" sz="1400" spc="-1" strike="noStrike">
               <a:latin typeface="Times New Roman"/>
@@ -4842,7 +4619,7 @@
       </p:sp>
       <p:sp>
         <p:nvSpPr>
-          <p:cNvPr id="3" name="PlaceHolder 4"/>
+          <p:cNvPr id="1" name="PlaceHolder 2"/>
           <p:cNvSpPr>
             <a:spLocks noGrp="1"/>
           </p:cNvSpPr>
@@ -4853,7 +4630,7 @@
         <p:spPr>
           <a:xfrm>
             <a:off x="8610480" y="6356520"/>
-            <a:ext cx="2742120" cy="363960"/>
+            <a:ext cx="2741400" cy="363240"/>
           </a:xfrm>
           <a:prstGeom prst="rect">
             <a:avLst/>
@@ -4888,14 +4665,14 @@
               </a:lnSpc>
               <a:buNone/>
             </a:pPr>
-            <a:fld id="{323507E5-5B94-4C3D-AAD7-15858A72E99E}" type="slidenum">
+            <a:fld id="{71421466-B270-4A37-8EBD-BEAF869D173B}" type="slidenum">
               <a:rPr b="0" lang="en-IL" sz="1200" spc="-1" strike="noStrike">
                 <a:solidFill>
                   <a:srgbClr val="787878"/>
                 </a:solidFill>
                 <a:latin typeface="Aptos"/>
               </a:rPr>
-              <a:t>&lt;number&gt;</a:t>
+              <a:t>1</a:t>
             </a:fld>
             <a:endParaRPr b="0" lang="en-IL" sz="1200" spc="-1" strike="noStrike">
               <a:latin typeface="Times New Roman"/>
@@ -4905,7 +4682,7 @@
       </p:sp>
       <p:sp>
         <p:nvSpPr>
-          <p:cNvPr id="4" name="PlaceHolder 5"/>
+          <p:cNvPr id="2" name="PlaceHolder 3"/>
           <p:cNvSpPr>
             <a:spLocks noGrp="1"/>
           </p:cNvSpPr>
@@ -4916,7 +4693,7 @@
         <p:spPr>
           <a:xfrm>
             <a:off x="838080" y="6356520"/>
-            <a:ext cx="2742120" cy="363960"/>
+            <a:ext cx="2741400" cy="363240"/>
           </a:xfrm>
           <a:prstGeom prst="rect">
             <a:avLst/>
@@ -4942,10 +4719,236 @@
               <a:rPr b="0" lang="en-IL" sz="1400" spc="-1" strike="noStrike">
                 <a:latin typeface="Times New Roman"/>
               </a:rPr>
-              <a:t>&lt;date/time&gt;</a:t>
+              <a:t> </a:t>
             </a:r>
             <a:endParaRPr b="0" lang="en-IL" sz="1400" spc="-1" strike="noStrike">
               <a:latin typeface="Times New Roman"/>
+            </a:endParaRPr>
+          </a:p>
+        </p:txBody>
+      </p:sp>
+      <p:sp>
+        <p:nvSpPr>
+          <p:cNvPr id="3" name="PlaceHolder 4"/>
+          <p:cNvSpPr>
+            <a:spLocks noGrp="1"/>
+          </p:cNvSpPr>
+          <p:nvPr>
+            <p:ph type="title"/>
+          </p:nvPr>
+        </p:nvSpPr>
+        <p:spPr>
+          <a:xfrm>
+            <a:off x="609480" y="273600"/>
+            <a:ext cx="10972440" cy="1144800"/>
+          </a:xfrm>
+          <a:prstGeom prst="rect">
+            <a:avLst/>
+          </a:prstGeom>
+          <a:noFill/>
+          <a:ln w="0">
+            <a:noFill/>
+          </a:ln>
+        </p:spPr>
+        <p:txBody>
+          <a:bodyPr lIns="0" rIns="0" tIns="0" bIns="0" anchor="ctr">
+            <a:noAutofit/>
+          </a:bodyPr>
+          <a:p>
+            <a:pPr algn="ctr">
+              <a:buNone/>
+            </a:pPr>
+            <a:r>
+              <a:rPr b="0" lang="en-IL" sz="4400" spc="-1" strike="noStrike">
+                <a:latin typeface="Arial"/>
+              </a:rPr>
+              <a:t>Click to edit the title text format</a:t>
+            </a:r>
+            <a:endParaRPr b="0" lang="en-IL" sz="4400" spc="-1" strike="noStrike">
+              <a:latin typeface="Arial"/>
+            </a:endParaRPr>
+          </a:p>
+        </p:txBody>
+      </p:sp>
+      <p:sp>
+        <p:nvSpPr>
+          <p:cNvPr id="4" name="PlaceHolder 5"/>
+          <p:cNvSpPr>
+            <a:spLocks noGrp="1"/>
+          </p:cNvSpPr>
+          <p:nvPr>
+            <p:ph type="body"/>
+          </p:nvPr>
+        </p:nvSpPr>
+        <p:spPr>
+          <a:xfrm>
+            <a:off x="609480" y="1604520"/>
+            <a:ext cx="10972440" cy="3977280"/>
+          </a:xfrm>
+          <a:prstGeom prst="rect">
+            <a:avLst/>
+          </a:prstGeom>
+          <a:noFill/>
+          <a:ln w="0">
+            <a:noFill/>
+          </a:ln>
+        </p:spPr>
+        <p:txBody>
+          <a:bodyPr lIns="0" rIns="0" tIns="0" bIns="0" anchor="t">
+            <a:normAutofit/>
+          </a:bodyPr>
+          <a:p>
+            <a:pPr marL="432000" indent="-324000">
+              <a:spcBef>
+                <a:spcPts val="1417"/>
+              </a:spcBef>
+              <a:buClr>
+                <a:srgbClr val="000000"/>
+              </a:buClr>
+              <a:buSzPct val="45000"/>
+              <a:buFont typeface="Wingdings" charset="2"/>
+              <a:buChar char=""/>
+            </a:pPr>
+            <a:r>
+              <a:rPr b="0" lang="en-IL" sz="3200" spc="-1" strike="noStrike">
+                <a:latin typeface="Arial"/>
+              </a:rPr>
+              <a:t>Click to edit the outline text format</a:t>
+            </a:r>
+            <a:endParaRPr b="0" lang="en-IL" sz="3200" spc="-1" strike="noStrike">
+              <a:latin typeface="Arial"/>
+            </a:endParaRPr>
+          </a:p>
+          <a:p>
+            <a:pPr lvl="1" marL="864000" indent="-324000">
+              <a:spcBef>
+                <a:spcPts val="1134"/>
+              </a:spcBef>
+              <a:buClr>
+                <a:srgbClr val="000000"/>
+              </a:buClr>
+              <a:buSzPct val="75000"/>
+              <a:buFont typeface="Symbol" charset="2"/>
+              <a:buChar char=""/>
+            </a:pPr>
+            <a:r>
+              <a:rPr b="0" lang="en-IL" sz="2800" spc="-1" strike="noStrike">
+                <a:latin typeface="Arial"/>
+              </a:rPr>
+              <a:t>Second Outline Level</a:t>
+            </a:r>
+            <a:endParaRPr b="0" lang="en-IL" sz="2800" spc="-1" strike="noStrike">
+              <a:latin typeface="Arial"/>
+            </a:endParaRPr>
+          </a:p>
+          <a:p>
+            <a:pPr lvl="2" marL="1296000" indent="-288000">
+              <a:spcBef>
+                <a:spcPts val="850"/>
+              </a:spcBef>
+              <a:buClr>
+                <a:srgbClr val="000000"/>
+              </a:buClr>
+              <a:buSzPct val="45000"/>
+              <a:buFont typeface="Wingdings" charset="2"/>
+              <a:buChar char=""/>
+            </a:pPr>
+            <a:r>
+              <a:rPr b="0" lang="en-IL" sz="2400" spc="-1" strike="noStrike">
+                <a:latin typeface="Arial"/>
+              </a:rPr>
+              <a:t>Third Outline Level</a:t>
+            </a:r>
+            <a:endParaRPr b="0" lang="en-IL" sz="2400" spc="-1" strike="noStrike">
+              <a:latin typeface="Arial"/>
+            </a:endParaRPr>
+          </a:p>
+          <a:p>
+            <a:pPr lvl="3" marL="1728000" indent="-216000">
+              <a:spcBef>
+                <a:spcPts val="567"/>
+              </a:spcBef>
+              <a:buClr>
+                <a:srgbClr val="000000"/>
+              </a:buClr>
+              <a:buSzPct val="75000"/>
+              <a:buFont typeface="Symbol" charset="2"/>
+              <a:buChar char=""/>
+            </a:pPr>
+            <a:r>
+              <a:rPr b="0" lang="en-IL" sz="2000" spc="-1" strike="noStrike">
+                <a:latin typeface="Arial"/>
+              </a:rPr>
+              <a:t>Fourth Outline Level</a:t>
+            </a:r>
+            <a:endParaRPr b="0" lang="en-IL" sz="2000" spc="-1" strike="noStrike">
+              <a:latin typeface="Arial"/>
+            </a:endParaRPr>
+          </a:p>
+          <a:p>
+            <a:pPr lvl="4" marL="2160000" indent="-216000">
+              <a:spcBef>
+                <a:spcPts val="283"/>
+              </a:spcBef>
+              <a:buClr>
+                <a:srgbClr val="000000"/>
+              </a:buClr>
+              <a:buSzPct val="45000"/>
+              <a:buFont typeface="Wingdings" charset="2"/>
+              <a:buChar char=""/>
+            </a:pPr>
+            <a:r>
+              <a:rPr b="0" lang="en-IL" sz="2000" spc="-1" strike="noStrike">
+                <a:latin typeface="Arial"/>
+              </a:rPr>
+              <a:t>Fifth Outline Level</a:t>
+            </a:r>
+            <a:endParaRPr b="0" lang="en-IL" sz="2000" spc="-1" strike="noStrike">
+              <a:latin typeface="Arial"/>
+            </a:endParaRPr>
+          </a:p>
+          <a:p>
+            <a:pPr lvl="5" marL="2592000" indent="-216000">
+              <a:spcBef>
+                <a:spcPts val="283"/>
+              </a:spcBef>
+              <a:buClr>
+                <a:srgbClr val="000000"/>
+              </a:buClr>
+              <a:buSzPct val="45000"/>
+              <a:buFont typeface="Wingdings" charset="2"/>
+              <a:buChar char=""/>
+            </a:pPr>
+            <a:r>
+              <a:rPr b="0" lang="en-IL" sz="2000" spc="-1" strike="noStrike">
+                <a:latin typeface="Arial"/>
+              </a:rPr>
+              <a:t>Sixth Outline Level</a:t>
+            </a:r>
+            <a:endParaRPr b="0" lang="en-IL" sz="2000" spc="-1" strike="noStrike">
+              <a:latin typeface="Arial"/>
+            </a:endParaRPr>
+          </a:p>
+          <a:p>
+            <a:pPr lvl="6" marL="3024000" indent="-216000">
+              <a:spcBef>
+                <a:spcPts val="283"/>
+              </a:spcBef>
+              <a:buClr>
+                <a:srgbClr val="000000"/>
+              </a:buClr>
+              <a:buSzPct val="45000"/>
+              <a:buFont typeface="Wingdings" charset="2"/>
+              <a:buChar char=""/>
+            </a:pPr>
+            <a:r>
+              <a:rPr b="0" lang="en-IL" sz="2000" spc="-1" strike="noStrike">
+                <a:latin typeface="Arial"/>
+              </a:rPr>
+              <a:t>Seventh Outline Level</a:t>
+            </a:r>
+            <a:endParaRPr b="0" lang="en-IL" sz="2000" spc="-1" strike="noStrike">
+              <a:latin typeface="Arial"/>
             </a:endParaRPr>
           </a:p>
         </p:txBody>
@@ -5007,7 +5010,7 @@
         <p:spPr>
           <a:xfrm>
             <a:off x="4038480" y="6356520"/>
-            <a:ext cx="4113720" cy="363960"/>
+            <a:ext cx="4113000" cy="363240"/>
           </a:xfrm>
           <a:prstGeom prst="rect">
             <a:avLst/>
@@ -5064,7 +5067,7 @@
         <p:spPr>
           <a:xfrm>
             <a:off x="8610480" y="6356520"/>
-            <a:ext cx="2742120" cy="363960"/>
+            <a:ext cx="2741400" cy="363240"/>
           </a:xfrm>
           <a:prstGeom prst="rect">
             <a:avLst/>
@@ -5099,7 +5102,7 @@
               </a:lnSpc>
               <a:buNone/>
             </a:pPr>
-            <a:fld id="{45CD8E60-DC53-44C0-8FDA-1BAA066B766D}" type="slidenum">
+            <a:fld id="{1FC96955-AD9A-43CD-B05A-80DCB2CE7102}" type="slidenum">
               <a:rPr b="0" lang="en-IL" sz="1200" spc="-1" strike="noStrike">
                 <a:solidFill>
                   <a:srgbClr val="787878"/>
@@ -5127,7 +5130,7 @@
         <p:spPr>
           <a:xfrm>
             <a:off x="838080" y="6356520"/>
-            <a:ext cx="2742120" cy="363960"/>
+            <a:ext cx="2741400" cy="363240"/>
           </a:xfrm>
           <a:prstGeom prst="rect">
             <a:avLst/>
@@ -5434,8 +5437,8 @@
         </p:nvSpPr>
         <p:spPr>
           <a:xfrm>
-            <a:off x="648360" y="1838520"/>
-            <a:ext cx="2202480" cy="913320"/>
+            <a:off x="648360" y="1839600"/>
+            <a:ext cx="2201760" cy="912600"/>
           </a:xfrm>
           <a:prstGeom prst="rect">
             <a:avLst/>
@@ -5501,7 +5504,7 @@
         <p:spPr>
           <a:xfrm>
             <a:off x="100080" y="133200"/>
-            <a:ext cx="2202480" cy="913320"/>
+            <a:ext cx="2201760" cy="912600"/>
           </a:xfrm>
           <a:prstGeom prst="rect">
             <a:avLst/>
@@ -5567,7 +5570,7 @@
         <p:spPr>
           <a:xfrm>
             <a:off x="3079800" y="193680"/>
-            <a:ext cx="2202480" cy="913320"/>
+            <a:ext cx="2201760" cy="912600"/>
           </a:xfrm>
           <a:prstGeom prst="rect">
             <a:avLst/>
@@ -5633,7 +5636,7 @@
         <p:spPr>
           <a:xfrm>
             <a:off x="8998200" y="2618280"/>
-            <a:ext cx="2202480" cy="913320"/>
+            <a:ext cx="2201760" cy="912600"/>
           </a:xfrm>
           <a:prstGeom prst="rect">
             <a:avLst/>
@@ -5699,7 +5702,7 @@
         <p:spPr>
           <a:xfrm>
             <a:off x="7006680" y="946080"/>
-            <a:ext cx="2202480" cy="913320"/>
+            <a:ext cx="2201760" cy="912600"/>
           </a:xfrm>
           <a:prstGeom prst="rect">
             <a:avLst/>
@@ -5765,7 +5768,7 @@
         <p:spPr>
           <a:xfrm>
             <a:off x="5733000" y="4156560"/>
-            <a:ext cx="2202480" cy="913320"/>
+            <a:ext cx="2201760" cy="912600"/>
           </a:xfrm>
           <a:prstGeom prst="rect">
             <a:avLst/>
@@ -5831,7 +5834,7 @@
         <p:spPr>
           <a:xfrm>
             <a:off x="3741480" y="1481400"/>
-            <a:ext cx="2202480" cy="913320"/>
+            <a:ext cx="2201760" cy="912600"/>
           </a:xfrm>
           <a:prstGeom prst="rect">
             <a:avLst/>
@@ -5895,7 +5898,7 @@
         <p:spPr>
           <a:xfrm>
             <a:off x="-2608920" y="2838600"/>
-            <a:ext cx="2202480" cy="913320"/>
+            <a:ext cx="2201760" cy="912600"/>
           </a:xfrm>
           <a:prstGeom prst="rect">
             <a:avLst/>
@@ -5959,7 +5962,7 @@
         <p:spPr>
           <a:xfrm>
             <a:off x="1201680" y="1041480"/>
-            <a:ext cx="360" cy="817920"/>
+            <a:ext cx="360" cy="817200"/>
           </a:xfrm>
           <a:custGeom>
             <a:avLst/>
@@ -6014,8 +6017,8 @@
         </p:nvSpPr>
         <p:spPr>
           <a:xfrm flipH="1">
-            <a:off x="2738880" y="1123920"/>
-            <a:ext cx="446040" cy="713160"/>
+            <a:off x="2738160" y="1123920"/>
+            <a:ext cx="445320" cy="712440"/>
           </a:xfrm>
           <a:custGeom>
             <a:avLst/>
@@ -6071,7 +6074,7 @@
         <p:spPr>
           <a:xfrm>
             <a:off x="2877480" y="1028880"/>
-            <a:ext cx="201240" cy="302760"/>
+            <a:ext cx="200520" cy="302760"/>
           </a:xfrm>
           <a:prstGeom prst="rect">
             <a:avLst/>
@@ -6123,7 +6126,7 @@
         <p:spPr>
           <a:xfrm>
             <a:off x="2538000" y="1516320"/>
-            <a:ext cx="201240" cy="302760"/>
+            <a:ext cx="200520" cy="302760"/>
           </a:xfrm>
           <a:prstGeom prst="rect">
             <a:avLst/>
@@ -6175,7 +6178,7 @@
         <p:spPr>
           <a:xfrm>
             <a:off x="956160" y="1581120"/>
-            <a:ext cx="201240" cy="302760"/>
+            <a:ext cx="200520" cy="302760"/>
           </a:xfrm>
           <a:prstGeom prst="rect">
             <a:avLst/>
@@ -6227,7 +6230,7 @@
         <p:spPr>
           <a:xfrm>
             <a:off x="960120" y="1028880"/>
-            <a:ext cx="201240" cy="302760"/>
+            <a:ext cx="200520" cy="302760"/>
           </a:xfrm>
           <a:prstGeom prst="rect">
             <a:avLst/>
@@ -6279,7 +6282,7 @@
         <p:spPr>
           <a:xfrm>
             <a:off x="-1352160" y="1522440"/>
-            <a:ext cx="201240" cy="302760"/>
+            <a:ext cx="200520" cy="302760"/>
           </a:xfrm>
           <a:prstGeom prst="rect">
             <a:avLst/>
@@ -6331,7 +6334,7 @@
         <p:spPr>
           <a:xfrm>
             <a:off x="-1800360" y="1531800"/>
-            <a:ext cx="201240" cy="302760"/>
+            <a:ext cx="200520" cy="302760"/>
           </a:xfrm>
           <a:prstGeom prst="rect">
             <a:avLst/>
@@ -6383,7 +6386,7 @@
         <p:spPr>
           <a:xfrm>
             <a:off x="-1507320" y="1878120"/>
-            <a:ext cx="201240" cy="302760"/>
+            <a:ext cx="200520" cy="302760"/>
           </a:xfrm>
           <a:prstGeom prst="rect">
             <a:avLst/>
@@ -6434,8 +6437,8 @@
         </p:nvSpPr>
         <p:spPr>
           <a:xfrm flipH="1">
-            <a:off x="2859480" y="2325960"/>
-            <a:ext cx="879480" cy="360"/>
+            <a:off x="2858760" y="2325960"/>
+            <a:ext cx="878760" cy="360"/>
           </a:xfrm>
           <a:custGeom>
             <a:avLst/>
@@ -6491,7 +6494,7 @@
         <p:spPr>
           <a:xfrm>
             <a:off x="3484080" y="2032200"/>
-            <a:ext cx="201240" cy="302760"/>
+            <a:ext cx="200520" cy="302760"/>
           </a:xfrm>
           <a:prstGeom prst="rect">
             <a:avLst/>
@@ -6543,7 +6546,7 @@
         <p:spPr>
           <a:xfrm>
             <a:off x="2851920" y="2032200"/>
-            <a:ext cx="201240" cy="302760"/>
+            <a:ext cx="200520" cy="302760"/>
           </a:xfrm>
           <a:prstGeom prst="rect">
             <a:avLst/>
@@ -6594,8 +6597,8 @@
         </p:nvSpPr>
         <p:spPr>
           <a:xfrm flipH="1">
-            <a:off x="5943600" y="1670400"/>
-            <a:ext cx="1060920" cy="360"/>
+            <a:off x="5942880" y="1670400"/>
+            <a:ext cx="1060200" cy="360"/>
           </a:xfrm>
           <a:custGeom>
             <a:avLst/>
@@ -6651,7 +6654,7 @@
         <p:spPr>
           <a:xfrm>
             <a:off x="6696000" y="1344240"/>
-            <a:ext cx="201240" cy="302760"/>
+            <a:ext cx="200520" cy="302760"/>
           </a:xfrm>
           <a:prstGeom prst="rect">
             <a:avLst/>
@@ -6703,7 +6706,7 @@
         <p:spPr>
           <a:xfrm>
             <a:off x="5942520" y="1326240"/>
-            <a:ext cx="201240" cy="302760"/>
+            <a:ext cx="200520" cy="302760"/>
           </a:xfrm>
           <a:prstGeom prst="rect">
             <a:avLst/>
@@ -6754,8 +6757,8 @@
         </p:nvSpPr>
         <p:spPr>
           <a:xfrm flipH="1">
-            <a:off x="-1847880" y="2340000"/>
-            <a:ext cx="879480" cy="360"/>
+            <a:off x="-1848600" y="2340000"/>
+            <a:ext cx="878760" cy="360"/>
           </a:xfrm>
           <a:custGeom>
             <a:avLst/>
@@ -6813,7 +6816,7 @@
         <p:spPr>
           <a:xfrm>
             <a:off x="8998200" y="4154400"/>
-            <a:ext cx="2202480" cy="913320"/>
+            <a:ext cx="2201760" cy="912600"/>
           </a:xfrm>
           <a:prstGeom prst="rect">
             <a:avLst/>
@@ -6876,8 +6879,8 @@
         </p:nvSpPr>
         <p:spPr>
           <a:xfrm flipV="1">
-            <a:off x="7723080" y="1877760"/>
-            <a:ext cx="360" cy="754560"/>
+            <a:off x="7723080" y="1877040"/>
+            <a:ext cx="360" cy="753840"/>
           </a:xfrm>
           <a:custGeom>
             <a:avLst/>
@@ -6935,7 +6938,7 @@
         <p:spPr>
           <a:xfrm>
             <a:off x="5733000" y="2634120"/>
-            <a:ext cx="2202480" cy="913320"/>
+            <a:ext cx="2201760" cy="912600"/>
           </a:xfrm>
           <a:prstGeom prst="rect">
             <a:avLst/>
@@ -6999,7 +7002,7 @@
         <p:spPr>
           <a:xfrm>
             <a:off x="7430400" y="2340000"/>
-            <a:ext cx="201240" cy="302760"/>
+            <a:ext cx="200520" cy="302760"/>
           </a:xfrm>
           <a:prstGeom prst="rect">
             <a:avLst/>
@@ -7051,7 +7054,7 @@
         <p:spPr>
           <a:xfrm>
             <a:off x="7484040" y="1791000"/>
-            <a:ext cx="201240" cy="302760"/>
+            <a:ext cx="200520" cy="302760"/>
           </a:xfrm>
           <a:prstGeom prst="rect">
             <a:avLst/>
@@ -7102,8 +7105,8 @@
         </p:nvSpPr>
         <p:spPr>
           <a:xfrm flipV="1">
-            <a:off x="10605960" y="3541320"/>
-            <a:ext cx="360" cy="613440"/>
+            <a:off x="10605960" y="3540600"/>
+            <a:ext cx="360" cy="612720"/>
           </a:xfrm>
           <a:custGeom>
             <a:avLst/>
@@ -7159,7 +7162,7 @@
         <p:spPr>
           <a:xfrm>
             <a:off x="10350000" y="3532680"/>
-            <a:ext cx="201240" cy="302760"/>
+            <a:ext cx="200520" cy="302760"/>
           </a:xfrm>
           <a:prstGeom prst="rect">
             <a:avLst/>
@@ -7211,7 +7214,7 @@
         <p:spPr>
           <a:xfrm>
             <a:off x="10320480" y="3858120"/>
-            <a:ext cx="201240" cy="302760"/>
+            <a:ext cx="200520" cy="302760"/>
           </a:xfrm>
           <a:prstGeom prst="rect">
             <a:avLst/>
@@ -7262,8 +7265,8 @@
         </p:nvSpPr>
         <p:spPr>
           <a:xfrm flipV="1">
-            <a:off x="6759720" y="3555720"/>
-            <a:ext cx="360" cy="613440"/>
+            <a:off x="6759720" y="3555000"/>
+            <a:ext cx="360" cy="612720"/>
           </a:xfrm>
           <a:custGeom>
             <a:avLst/>
@@ -7319,7 +7322,7 @@
         <p:spPr>
           <a:xfrm>
             <a:off x="6504120" y="3547080"/>
-            <a:ext cx="201240" cy="302760"/>
+            <a:ext cx="200520" cy="302760"/>
           </a:xfrm>
           <a:prstGeom prst="rect">
             <a:avLst/>
@@ -7371,7 +7374,7 @@
         <p:spPr>
           <a:xfrm>
             <a:off x="6474600" y="3872520"/>
-            <a:ext cx="201240" cy="302760"/>
+            <a:ext cx="200520" cy="302760"/>
           </a:xfrm>
           <a:prstGeom prst="rect">
             <a:avLst/>
@@ -7422,8 +7425,8 @@
         </p:nvSpPr>
         <p:spPr>
           <a:xfrm flipH="1">
-            <a:off x="7937280" y="4647960"/>
-            <a:ext cx="1060920" cy="360"/>
+            <a:off x="7936560" y="4647960"/>
+            <a:ext cx="1060200" cy="360"/>
           </a:xfrm>
           <a:custGeom>
             <a:avLst/>
@@ -7479,7 +7482,7 @@
         <p:spPr>
           <a:xfrm>
             <a:off x="8689680" y="4321800"/>
-            <a:ext cx="201240" cy="302760"/>
+            <a:ext cx="200520" cy="302760"/>
           </a:xfrm>
           <a:prstGeom prst="rect">
             <a:avLst/>
@@ -7531,7 +7534,7 @@
         <p:spPr>
           <a:xfrm>
             <a:off x="7936200" y="4303800"/>
-            <a:ext cx="201240" cy="302760"/>
+            <a:ext cx="200520" cy="302760"/>
           </a:xfrm>
           <a:prstGeom prst="rect">
             <a:avLst/>
@@ -7583,7 +7586,7 @@
         <p:spPr>
           <a:xfrm>
             <a:off x="360000" y="5206320"/>
-            <a:ext cx="2202480" cy="913320"/>
+            <a:ext cx="2201760" cy="912600"/>
           </a:xfrm>
           <a:prstGeom prst="rect">
             <a:avLst/>
@@ -7670,7 +7673,7 @@
         <p:spPr>
           <a:xfrm>
             <a:off x="2700000" y="3586320"/>
-            <a:ext cx="2699640" cy="913320"/>
+            <a:ext cx="2698920" cy="912600"/>
           </a:xfrm>
           <a:prstGeom prst="rect">
             <a:avLst/>
@@ -7734,7 +7737,7 @@
         <p:spPr>
           <a:xfrm>
             <a:off x="2700000" y="2752200"/>
-            <a:ext cx="719640" cy="833760"/>
+            <a:ext cx="718920" cy="833040"/>
           </a:xfrm>
           <a:custGeom>
             <a:avLst/>
@@ -7790,7 +7793,7 @@
         <p:spPr>
           <a:xfrm>
             <a:off x="2851200" y="2700000"/>
-            <a:ext cx="201240" cy="302760"/>
+            <a:ext cx="200520" cy="302760"/>
           </a:xfrm>
           <a:prstGeom prst="rect">
             <a:avLst/>
@@ -7842,7 +7845,7 @@
         <p:spPr>
           <a:xfrm>
             <a:off x="3326400" y="3276000"/>
-            <a:ext cx="201240" cy="302760"/>
+            <a:ext cx="200520" cy="302760"/>
           </a:xfrm>
           <a:prstGeom prst="rect">
             <a:avLst/>
@@ -7928,7 +7931,7 @@
         <p:spPr>
           <a:xfrm>
             <a:off x="838080" y="365040"/>
-            <a:ext cx="10514520" cy="1324440"/>
+            <a:ext cx="10513800" cy="1323720"/>
           </a:xfrm>
           <a:prstGeom prst="rect">
             <a:avLst/>
@@ -8798,7 +8801,7 @@
         <p:spPr>
           <a:xfrm>
             <a:off x="838080" y="365040"/>
-            <a:ext cx="10514520" cy="1324440"/>
+            <a:ext cx="10513800" cy="1323720"/>
           </a:xfrm>
           <a:prstGeom prst="rect">
             <a:avLst/>
@@ -9693,7 +9696,7 @@
         <p:spPr>
           <a:xfrm>
             <a:off x="838080" y="365040"/>
-            <a:ext cx="10514520" cy="1324440"/>
+            <a:ext cx="10513800" cy="1323720"/>
           </a:xfrm>
           <a:prstGeom prst="rect">
             <a:avLst/>
@@ -10718,7 +10721,7 @@
         <p:spPr>
           <a:xfrm>
             <a:off x="838080" y="365040"/>
-            <a:ext cx="10514520" cy="1324440"/>
+            <a:ext cx="10513800" cy="1323720"/>
           </a:xfrm>
           <a:prstGeom prst="rect">
             <a:avLst/>
@@ -11616,7 +11619,7 @@
         <p:spPr>
           <a:xfrm>
             <a:off x="838080" y="365040"/>
-            <a:ext cx="10514520" cy="1324440"/>
+            <a:ext cx="10513800" cy="1323720"/>
           </a:xfrm>
           <a:prstGeom prst="rect">
             <a:avLst/>
@@ -12165,7 +12168,7 @@
                           </a:solidFill>
                           <a:latin typeface="Aptos"/>
                         </a:rPr>
-                        <a:t>cardID</a:t>
+                        <a:t>CardID</a:t>
                       </a:r>
                       <a:endParaRPr b="0" lang="en-IL" sz="1800" spc="-1" strike="noStrike">
                         <a:latin typeface="Arial"/>
@@ -12353,7 +12356,7 @@
         <p:spPr>
           <a:xfrm>
             <a:off x="838080" y="365040"/>
-            <a:ext cx="10514520" cy="1324440"/>
+            <a:ext cx="10513800" cy="1323720"/>
           </a:xfrm>
           <a:prstGeom prst="rect">
             <a:avLst/>
@@ -12397,7 +12400,7 @@
         </p:nvGraphicFramePr>
         <p:xfrm>
           <a:off x="838080" y="1825560"/>
-          <a:ext cx="10514880" cy="4430880"/>
+          <a:ext cx="10514880" cy="4833720"/>
         </p:xfrm>
         <a:graphic>
           <a:graphicData uri="http://schemas.openxmlformats.org/drawingml/2006/table">
@@ -14096,7 +14099,7 @@
                         <a:t>Email</a:t>
                       </a:r>
                       <a:endParaRPr b="0" lang="en-IL" sz="1800" spc="-1" strike="noStrike">
-                        <a:latin typeface="Times New Roman"/>
+                        <a:latin typeface="Arial"/>
                       </a:endParaRPr>
                     </a:p>
                   </a:txBody>
@@ -14132,6 +14135,12 @@
                       <a:noAutofit/>
                     </a:bodyPr>
                     <a:p>
+                      <a:pPr>
+                        <a:lnSpc>
+                          <a:spcPct val="100000"/>
+                        </a:lnSpc>
+                        <a:buNone/>
+                      </a:pPr>
                       <a:r>
                         <a:rPr b="0" lang="en-US" sz="1800" spc="-1" strike="noStrike">
                           <a:solidFill>
@@ -14142,7 +14151,7 @@
                         <a:t>varchar(124)</a:t>
                       </a:r>
                       <a:endParaRPr b="0" lang="en-IL" sz="1800" spc="-1" strike="noStrike">
-                        <a:latin typeface="Times New Roman"/>
+                        <a:latin typeface="Arial"/>
                       </a:endParaRPr>
                     </a:p>
                   </a:txBody>
@@ -14247,7 +14256,7 @@
         <p:spPr>
           <a:xfrm>
             <a:off x="838080" y="0"/>
-            <a:ext cx="10514520" cy="624240"/>
+            <a:ext cx="10513800" cy="623520"/>
           </a:xfrm>
           <a:prstGeom prst="rect">
             <a:avLst/>
@@ -16900,7 +16909,7 @@
         <p:spPr>
           <a:xfrm>
             <a:off x="838080" y="365040"/>
-            <a:ext cx="10514520" cy="1324440"/>
+            <a:ext cx="10513800" cy="1323720"/>
           </a:xfrm>
           <a:prstGeom prst="rect">
             <a:avLst/>
@@ -17742,7 +17751,7 @@
         <p:spPr>
           <a:xfrm>
             <a:off x="838080" y="365040"/>
-            <a:ext cx="10514520" cy="1324440"/>
+            <a:ext cx="10513800" cy="1323720"/>
           </a:xfrm>
           <a:prstGeom prst="rect">
             <a:avLst/>
@@ -18940,7 +18949,7 @@
         <p:spPr>
           <a:xfrm>
             <a:off x="838080" y="365040"/>
-            <a:ext cx="10514520" cy="1324440"/>
+            <a:ext cx="10513800" cy="1323720"/>
           </a:xfrm>
           <a:prstGeom prst="rect">
             <a:avLst/>
@@ -20891,7 +20900,7 @@
         <p:spPr>
           <a:xfrm>
             <a:off x="838080" y="365040"/>
-            <a:ext cx="10514520" cy="1324440"/>
+            <a:ext cx="10513800" cy="1323720"/>
           </a:xfrm>
           <a:prstGeom prst="rect">
             <a:avLst/>

--- a/ProjectDocumentaion/TableDesigns.pptx
+++ b/ProjectDocumentaion/TableDesigns.pptx
@@ -75,7 +75,7 @@
         <p:txBody>
           <a:bodyPr/>
           <a:p>
-            <a:fld id="{095CB5CA-EE19-486A-895D-53C9D6EB9444}" type="slidenum">
+            <a:fld id="{277AA1B7-9A0E-42BD-A4AC-154A939862DA}" type="slidenum">
               <a:t>&lt;#&gt;</a:t>
             </a:fld>
           </a:p>
@@ -263,7 +263,7 @@
         <p:txBody>
           <a:bodyPr/>
           <a:p>
-            <a:fld id="{4985A062-C2C3-4500-B6A8-89F0489EC64E}" type="slidenum">
+            <a:fld id="{11666990-F91B-45D8-A5BB-8ACAF670F1ED}" type="slidenum">
               <a:t>&lt;#&gt;</a:t>
             </a:fld>
           </a:p>
@@ -519,7 +519,7 @@
         <p:txBody>
           <a:bodyPr/>
           <a:p>
-            <a:fld id="{709B5355-08E1-475D-9479-964E6CF5FB17}" type="slidenum">
+            <a:fld id="{1F665DC5-4CF9-49C3-A3A9-745D80B5ED93}" type="slidenum">
               <a:t>&lt;#&gt;</a:t>
             </a:fld>
           </a:p>
@@ -843,7 +843,7 @@
         <p:txBody>
           <a:bodyPr/>
           <a:p>
-            <a:fld id="{9B9D58A1-DBDC-4EBD-8D50-E1E0EB4D5B84}" type="slidenum">
+            <a:fld id="{E5EC1D56-6A7C-485D-B6D2-FA7FFF5AE8DC}" type="slidenum">
               <a:t>&lt;#&gt;</a:t>
             </a:fld>
           </a:p>
@@ -926,7 +926,7 @@
         <p:txBody>
           <a:bodyPr/>
           <a:p>
-            <a:fld id="{338B3428-2BE0-47A4-89A4-AB7EB4A987AD}" type="slidenum">
+            <a:fld id="{496C0852-57B1-487D-ADAE-78A54CB9E338}" type="slidenum">
               <a:t>&lt;#&gt;</a:t>
             </a:fld>
           </a:p>
@@ -1083,7 +1083,7 @@
         <p:txBody>
           <a:bodyPr/>
           <a:p>
-            <a:fld id="{EEFA3677-1312-474B-9AA3-79BEB726D2F7}" type="slidenum">
+            <a:fld id="{9E9CB4D7-523A-42EB-AB59-1F6C4F44AD0D}" type="slidenum">
               <a:t>&lt;#&gt;</a:t>
             </a:fld>
           </a:p>
@@ -1237,7 +1237,7 @@
         <p:txBody>
           <a:bodyPr/>
           <a:p>
-            <a:fld id="{4B95E983-C530-4DD0-8BD0-91ED337CF53B}" type="slidenum">
+            <a:fld id="{BEA09332-B1A2-4D88-8468-EF2A87F718E3}" type="slidenum">
               <a:t>&lt;#&gt;</a:t>
             </a:fld>
           </a:p>
@@ -1425,7 +1425,7 @@
         <p:txBody>
           <a:bodyPr/>
           <a:p>
-            <a:fld id="{0EE53FF3-4366-4F12-8EB2-3EE716C32910}" type="slidenum">
+            <a:fld id="{B0CFCFA7-8410-43B9-BEB9-AEB477FEF520}" type="slidenum">
               <a:t>&lt;#&gt;</a:t>
             </a:fld>
           </a:p>
@@ -1545,7 +1545,7 @@
         <p:txBody>
           <a:bodyPr/>
           <a:p>
-            <a:fld id="{A0045C4F-48A9-4913-8E21-4BCDD5698972}" type="slidenum">
+            <a:fld id="{99DCDE5A-9B14-4B19-BD1C-0689A44E9E82}" type="slidenum">
               <a:t>&lt;#&gt;</a:t>
             </a:fld>
           </a:p>
@@ -1665,7 +1665,7 @@
         <p:txBody>
           <a:bodyPr/>
           <a:p>
-            <a:fld id="{1E3DB57F-D24C-42B7-AEA4-946273986CBB}" type="slidenum">
+            <a:fld id="{D530AD3D-84C9-4FE0-BC58-BFA171DBD681}" type="slidenum">
               <a:t>&lt;#&gt;</a:t>
             </a:fld>
           </a:p>
@@ -1887,7 +1887,7 @@
         <p:txBody>
           <a:bodyPr/>
           <a:p>
-            <a:fld id="{F84D6AC5-9808-485C-AD9A-879017450A88}" type="slidenum">
+            <a:fld id="{4289B370-48DC-4FE8-8F25-97395D0E1A9C}" type="slidenum">
               <a:t>&lt;#&gt;</a:t>
             </a:fld>
           </a:p>
@@ -2044,7 +2044,7 @@
         <p:txBody>
           <a:bodyPr/>
           <a:p>
-            <a:fld id="{1585C659-E2E7-47CD-9388-7067576265E2}" type="slidenum">
+            <a:fld id="{96033C66-A2EA-4829-B66F-EBC0A8E5267B}" type="slidenum">
               <a:t>&lt;#&gt;</a:t>
             </a:fld>
           </a:p>
@@ -2266,7 +2266,7 @@
         <p:txBody>
           <a:bodyPr/>
           <a:p>
-            <a:fld id="{6B44A898-EE16-41BF-B534-E08D7AF4B885}" type="slidenum">
+            <a:fld id="{8210BFD5-CBA3-4598-B9A5-7096AF03530E}" type="slidenum">
               <a:t>&lt;#&gt;</a:t>
             </a:fld>
           </a:p>
@@ -2488,7 +2488,7 @@
         <p:txBody>
           <a:bodyPr/>
           <a:p>
-            <a:fld id="{02AF8A4E-2957-4D1C-B722-FD6ED5E9D1D6}" type="slidenum">
+            <a:fld id="{C563EAB8-E755-42A4-A1F4-CBCF0630BB07}" type="slidenum">
               <a:t>&lt;#&gt;</a:t>
             </a:fld>
           </a:p>
@@ -2676,7 +2676,7 @@
         <p:txBody>
           <a:bodyPr/>
           <a:p>
-            <a:fld id="{9072F37F-1652-4BC4-A994-7227DFAA8D2F}" type="slidenum">
+            <a:fld id="{C23E0D20-4104-4F41-BCBF-80262E81E127}" type="slidenum">
               <a:t>&lt;#&gt;</a:t>
             </a:fld>
           </a:p>
@@ -2932,7 +2932,7 @@
         <p:txBody>
           <a:bodyPr/>
           <a:p>
-            <a:fld id="{1DB8712E-850D-4C8F-8D0D-451F79C8C395}" type="slidenum">
+            <a:fld id="{6E61F8E5-DAAB-4A57-822A-1A5C11A5D85F}" type="slidenum">
               <a:t>&lt;#&gt;</a:t>
             </a:fld>
           </a:p>
@@ -3256,7 +3256,7 @@
         <p:txBody>
           <a:bodyPr/>
           <a:p>
-            <a:fld id="{0E53550D-3C7B-4CB3-9EB9-B37B85EFA0E1}" type="slidenum">
+            <a:fld id="{87C7D674-0268-4913-A21A-47AB5E14983B}" type="slidenum">
               <a:t>&lt;#&gt;</a:t>
             </a:fld>
           </a:p>
@@ -3410,7 +3410,7 @@
         <p:txBody>
           <a:bodyPr/>
           <a:p>
-            <a:fld id="{DF377A6F-0D1A-4EB5-B9EC-021C0E4CDFD3}" type="slidenum">
+            <a:fld id="{867F8C59-C6CA-4597-8CBA-FA9B70ED950A}" type="slidenum">
               <a:t>&lt;#&gt;</a:t>
             </a:fld>
           </a:p>
@@ -3598,7 +3598,7 @@
         <p:txBody>
           <a:bodyPr/>
           <a:p>
-            <a:fld id="{EF165BA9-A2A9-4D1E-A874-51B884A49309}" type="slidenum">
+            <a:fld id="{68D04287-1E00-4B04-ADBD-3C05950BF9D2}" type="slidenum">
               <a:t>&lt;#&gt;</a:t>
             </a:fld>
           </a:p>
@@ -3718,7 +3718,7 @@
         <p:txBody>
           <a:bodyPr/>
           <a:p>
-            <a:fld id="{ABA3BE4B-A6DD-4443-9AF4-47A873E9D809}" type="slidenum">
+            <a:fld id="{67AB38E0-D7F6-4DE2-BA53-BD3B6A2A78B2}" type="slidenum">
               <a:t>&lt;#&gt;</a:t>
             </a:fld>
           </a:p>
@@ -3838,7 +3838,7 @@
         <p:txBody>
           <a:bodyPr/>
           <a:p>
-            <a:fld id="{75188C2F-EA49-41FC-B03A-CA0BFA5E5C50}" type="slidenum">
+            <a:fld id="{1DCD5EDE-ED50-46B1-A986-136C1D655D86}" type="slidenum">
               <a:t>&lt;#&gt;</a:t>
             </a:fld>
           </a:p>
@@ -4060,7 +4060,7 @@
         <p:txBody>
           <a:bodyPr/>
           <a:p>
-            <a:fld id="{4FFE929F-2D78-4419-87E8-F2A6A8AE6693}" type="slidenum">
+            <a:fld id="{7035AE02-B782-4B65-81AF-44EB86A99801}" type="slidenum">
               <a:t>&lt;#&gt;</a:t>
             </a:fld>
           </a:p>
@@ -4282,7 +4282,7 @@
         <p:txBody>
           <a:bodyPr/>
           <a:p>
-            <a:fld id="{A3A6F46B-B509-429D-8DAD-E1407E4852FF}" type="slidenum">
+            <a:fld id="{1A4C1957-E8AA-425F-B511-77112696816F}" type="slidenum">
               <a:t>&lt;#&gt;</a:t>
             </a:fld>
           </a:p>
@@ -4504,7 +4504,7 @@
         <p:txBody>
           <a:bodyPr/>
           <a:p>
-            <a:fld id="{C18253C0-4CF9-4F06-8272-863082170142}" type="slidenum">
+            <a:fld id="{1B505D52-84EB-4CC8-9065-82CEC8C1DB75}" type="slidenum">
               <a:t>&lt;#&gt;</a:t>
             </a:fld>
           </a:p>
@@ -4573,7 +4573,7 @@
         <p:spPr>
           <a:xfrm>
             <a:off x="4038480" y="6356520"/>
-            <a:ext cx="4113000" cy="363240"/>
+            <a:ext cx="4112640" cy="362880"/>
           </a:xfrm>
           <a:prstGeom prst="rect">
             <a:avLst/>
@@ -4630,7 +4630,7 @@
         <p:spPr>
           <a:xfrm>
             <a:off x="8610480" y="6356520"/>
-            <a:ext cx="2741400" cy="363240"/>
+            <a:ext cx="2741040" cy="362880"/>
           </a:xfrm>
           <a:prstGeom prst="rect">
             <a:avLst/>
@@ -4665,7 +4665,7 @@
               </a:lnSpc>
               <a:buNone/>
             </a:pPr>
-            <a:fld id="{71421466-B270-4A37-8EBD-BEAF869D173B}" type="slidenum">
+            <a:fld id="{D0E9BB8F-184B-4890-847F-A0298C4217D8}" type="slidenum">
               <a:rPr b="0" lang="en-IL" sz="1200" spc="-1" strike="noStrike">
                 <a:solidFill>
                   <a:srgbClr val="787878"/>
@@ -4693,7 +4693,7 @@
         <p:spPr>
           <a:xfrm>
             <a:off x="838080" y="6356520"/>
-            <a:ext cx="2741400" cy="363240"/>
+            <a:ext cx="2741040" cy="362880"/>
           </a:xfrm>
           <a:prstGeom prst="rect">
             <a:avLst/>
@@ -5010,7 +5010,7 @@
         <p:spPr>
           <a:xfrm>
             <a:off x="4038480" y="6356520"/>
-            <a:ext cx="4113000" cy="363240"/>
+            <a:ext cx="4112640" cy="362880"/>
           </a:xfrm>
           <a:prstGeom prst="rect">
             <a:avLst/>
@@ -5067,7 +5067,7 @@
         <p:spPr>
           <a:xfrm>
             <a:off x="8610480" y="6356520"/>
-            <a:ext cx="2741400" cy="363240"/>
+            <a:ext cx="2741040" cy="362880"/>
           </a:xfrm>
           <a:prstGeom prst="rect">
             <a:avLst/>
@@ -5102,7 +5102,7 @@
               </a:lnSpc>
               <a:buNone/>
             </a:pPr>
-            <a:fld id="{1FC96955-AD9A-43CD-B05A-80DCB2CE7102}" type="slidenum">
+            <a:fld id="{522C04C3-A574-4D63-A090-8C7F074A3AFF}" type="slidenum">
               <a:rPr b="0" lang="en-IL" sz="1200" spc="-1" strike="noStrike">
                 <a:solidFill>
                   <a:srgbClr val="787878"/>
@@ -5130,7 +5130,7 @@
         <p:spPr>
           <a:xfrm>
             <a:off x="838080" y="6356520"/>
-            <a:ext cx="2741400" cy="363240"/>
+            <a:ext cx="2741040" cy="362880"/>
           </a:xfrm>
           <a:prstGeom prst="rect">
             <a:avLst/>
@@ -5438,7 +5438,7 @@
         <p:spPr>
           <a:xfrm>
             <a:off x="648360" y="1839600"/>
-            <a:ext cx="2201760" cy="912600"/>
+            <a:ext cx="2201400" cy="912240"/>
           </a:xfrm>
           <a:prstGeom prst="rect">
             <a:avLst/>
@@ -5504,7 +5504,7 @@
         <p:spPr>
           <a:xfrm>
             <a:off x="100080" y="133200"/>
-            <a:ext cx="2201760" cy="912600"/>
+            <a:ext cx="2201400" cy="912240"/>
           </a:xfrm>
           <a:prstGeom prst="rect">
             <a:avLst/>
@@ -5570,7 +5570,7 @@
         <p:spPr>
           <a:xfrm>
             <a:off x="3079800" y="193680"/>
-            <a:ext cx="2201760" cy="912600"/>
+            <a:ext cx="2201400" cy="912240"/>
           </a:xfrm>
           <a:prstGeom prst="rect">
             <a:avLst/>
@@ -5636,7 +5636,7 @@
         <p:spPr>
           <a:xfrm>
             <a:off x="8998200" y="2618280"/>
-            <a:ext cx="2201760" cy="912600"/>
+            <a:ext cx="2201400" cy="912240"/>
           </a:xfrm>
           <a:prstGeom prst="rect">
             <a:avLst/>
@@ -5702,7 +5702,7 @@
         <p:spPr>
           <a:xfrm>
             <a:off x="7006680" y="946080"/>
-            <a:ext cx="2201760" cy="912600"/>
+            <a:ext cx="2201400" cy="912240"/>
           </a:xfrm>
           <a:prstGeom prst="rect">
             <a:avLst/>
@@ -5768,7 +5768,7 @@
         <p:spPr>
           <a:xfrm>
             <a:off x="5733000" y="4156560"/>
-            <a:ext cx="2201760" cy="912600"/>
+            <a:ext cx="2201400" cy="912240"/>
           </a:xfrm>
           <a:prstGeom prst="rect">
             <a:avLst/>
@@ -5834,7 +5834,7 @@
         <p:spPr>
           <a:xfrm>
             <a:off x="3741480" y="1481400"/>
-            <a:ext cx="2201760" cy="912600"/>
+            <a:ext cx="2201400" cy="912240"/>
           </a:xfrm>
           <a:prstGeom prst="rect">
             <a:avLst/>
@@ -5898,7 +5898,7 @@
         <p:spPr>
           <a:xfrm>
             <a:off x="-2608920" y="2838600"/>
-            <a:ext cx="2201760" cy="912600"/>
+            <a:ext cx="2201400" cy="912240"/>
           </a:xfrm>
           <a:prstGeom prst="rect">
             <a:avLst/>
@@ -5962,7 +5962,7 @@
         <p:spPr>
           <a:xfrm>
             <a:off x="1201680" y="1041480"/>
-            <a:ext cx="360" cy="817200"/>
+            <a:ext cx="360" cy="816840"/>
           </a:xfrm>
           <a:custGeom>
             <a:avLst/>
@@ -6018,7 +6018,7 @@
         <p:spPr>
           <a:xfrm flipH="1">
             <a:off x="2738160" y="1123920"/>
-            <a:ext cx="445320" cy="712440"/>
+            <a:ext cx="444960" cy="712080"/>
           </a:xfrm>
           <a:custGeom>
             <a:avLst/>
@@ -6074,7 +6074,7 @@
         <p:spPr>
           <a:xfrm>
             <a:off x="2877480" y="1028880"/>
-            <a:ext cx="200520" cy="302760"/>
+            <a:ext cx="200160" cy="302760"/>
           </a:xfrm>
           <a:prstGeom prst="rect">
             <a:avLst/>
@@ -6126,7 +6126,7 @@
         <p:spPr>
           <a:xfrm>
             <a:off x="2538000" y="1516320"/>
-            <a:ext cx="200520" cy="302760"/>
+            <a:ext cx="200160" cy="302760"/>
           </a:xfrm>
           <a:prstGeom prst="rect">
             <a:avLst/>
@@ -6178,7 +6178,7 @@
         <p:spPr>
           <a:xfrm>
             <a:off x="956160" y="1581120"/>
-            <a:ext cx="200520" cy="302760"/>
+            <a:ext cx="200160" cy="302760"/>
           </a:xfrm>
           <a:prstGeom prst="rect">
             <a:avLst/>
@@ -6230,7 +6230,7 @@
         <p:spPr>
           <a:xfrm>
             <a:off x="960120" y="1028880"/>
-            <a:ext cx="200520" cy="302760"/>
+            <a:ext cx="200160" cy="302760"/>
           </a:xfrm>
           <a:prstGeom prst="rect">
             <a:avLst/>
@@ -6282,7 +6282,7 @@
         <p:spPr>
           <a:xfrm>
             <a:off x="-1352160" y="1522440"/>
-            <a:ext cx="200520" cy="302760"/>
+            <a:ext cx="200160" cy="302760"/>
           </a:xfrm>
           <a:prstGeom prst="rect">
             <a:avLst/>
@@ -6334,7 +6334,7 @@
         <p:spPr>
           <a:xfrm>
             <a:off x="-1800360" y="1531800"/>
-            <a:ext cx="200520" cy="302760"/>
+            <a:ext cx="200160" cy="302760"/>
           </a:xfrm>
           <a:prstGeom prst="rect">
             <a:avLst/>
@@ -6386,7 +6386,7 @@
         <p:spPr>
           <a:xfrm>
             <a:off x="-1507320" y="1878120"/>
-            <a:ext cx="200520" cy="302760"/>
+            <a:ext cx="200160" cy="302760"/>
           </a:xfrm>
           <a:prstGeom prst="rect">
             <a:avLst/>
@@ -6438,7 +6438,7 @@
         <p:spPr>
           <a:xfrm flipH="1">
             <a:off x="2858760" y="2325960"/>
-            <a:ext cx="878760" cy="360"/>
+            <a:ext cx="878400" cy="360"/>
           </a:xfrm>
           <a:custGeom>
             <a:avLst/>
@@ -6494,7 +6494,7 @@
         <p:spPr>
           <a:xfrm>
             <a:off x="3484080" y="2032200"/>
-            <a:ext cx="200520" cy="302760"/>
+            <a:ext cx="200160" cy="302760"/>
           </a:xfrm>
           <a:prstGeom prst="rect">
             <a:avLst/>
@@ -6546,7 +6546,7 @@
         <p:spPr>
           <a:xfrm>
             <a:off x="2851920" y="2032200"/>
-            <a:ext cx="200520" cy="302760"/>
+            <a:ext cx="200160" cy="302760"/>
           </a:xfrm>
           <a:prstGeom prst="rect">
             <a:avLst/>
@@ -6598,7 +6598,7 @@
         <p:spPr>
           <a:xfrm flipH="1">
             <a:off x="5942880" y="1670400"/>
-            <a:ext cx="1060200" cy="360"/>
+            <a:ext cx="1059840" cy="360"/>
           </a:xfrm>
           <a:custGeom>
             <a:avLst/>
@@ -6654,7 +6654,7 @@
         <p:spPr>
           <a:xfrm>
             <a:off x="6696000" y="1344240"/>
-            <a:ext cx="200520" cy="302760"/>
+            <a:ext cx="200160" cy="302760"/>
           </a:xfrm>
           <a:prstGeom prst="rect">
             <a:avLst/>
@@ -6706,7 +6706,7 @@
         <p:spPr>
           <a:xfrm>
             <a:off x="5942520" y="1326240"/>
-            <a:ext cx="200520" cy="302760"/>
+            <a:ext cx="200160" cy="302760"/>
           </a:xfrm>
           <a:prstGeom prst="rect">
             <a:avLst/>
@@ -6758,7 +6758,7 @@
         <p:spPr>
           <a:xfrm flipH="1">
             <a:off x="-1848600" y="2340000"/>
-            <a:ext cx="878760" cy="360"/>
+            <a:ext cx="878400" cy="360"/>
           </a:xfrm>
           <a:custGeom>
             <a:avLst/>
@@ -6816,7 +6816,7 @@
         <p:spPr>
           <a:xfrm>
             <a:off x="8998200" y="4154400"/>
-            <a:ext cx="2201760" cy="912600"/>
+            <a:ext cx="2201400" cy="912240"/>
           </a:xfrm>
           <a:prstGeom prst="rect">
             <a:avLst/>
@@ -6879,8 +6879,8 @@
         </p:nvSpPr>
         <p:spPr>
           <a:xfrm flipV="1">
-            <a:off x="7723080" y="1877040"/>
-            <a:ext cx="360" cy="753840"/>
+            <a:off x="7723080" y="1876320"/>
+            <a:ext cx="360" cy="753480"/>
           </a:xfrm>
           <a:custGeom>
             <a:avLst/>
@@ -6938,7 +6938,7 @@
         <p:spPr>
           <a:xfrm>
             <a:off x="5733000" y="2634120"/>
-            <a:ext cx="2201760" cy="912600"/>
+            <a:ext cx="2201400" cy="912240"/>
           </a:xfrm>
           <a:prstGeom prst="rect">
             <a:avLst/>
@@ -7002,7 +7002,7 @@
         <p:spPr>
           <a:xfrm>
             <a:off x="7430400" y="2340000"/>
-            <a:ext cx="200520" cy="302760"/>
+            <a:ext cx="200160" cy="302760"/>
           </a:xfrm>
           <a:prstGeom prst="rect">
             <a:avLst/>
@@ -7054,7 +7054,7 @@
         <p:spPr>
           <a:xfrm>
             <a:off x="7484040" y="1791000"/>
-            <a:ext cx="200520" cy="302760"/>
+            <a:ext cx="200160" cy="302760"/>
           </a:xfrm>
           <a:prstGeom prst="rect">
             <a:avLst/>
@@ -7105,8 +7105,8 @@
         </p:nvSpPr>
         <p:spPr>
           <a:xfrm flipV="1">
-            <a:off x="10605960" y="3540600"/>
-            <a:ext cx="360" cy="612720"/>
+            <a:off x="10605960" y="3539880"/>
+            <a:ext cx="360" cy="612360"/>
           </a:xfrm>
           <a:custGeom>
             <a:avLst/>
@@ -7162,7 +7162,7 @@
         <p:spPr>
           <a:xfrm>
             <a:off x="10350000" y="3532680"/>
-            <a:ext cx="200520" cy="302760"/>
+            <a:ext cx="200160" cy="302760"/>
           </a:xfrm>
           <a:prstGeom prst="rect">
             <a:avLst/>
@@ -7214,7 +7214,7 @@
         <p:spPr>
           <a:xfrm>
             <a:off x="10320480" y="3858120"/>
-            <a:ext cx="200520" cy="302760"/>
+            <a:ext cx="200160" cy="302760"/>
           </a:xfrm>
           <a:prstGeom prst="rect">
             <a:avLst/>
@@ -7265,8 +7265,8 @@
         </p:nvSpPr>
         <p:spPr>
           <a:xfrm flipV="1">
-            <a:off x="6759720" y="3555000"/>
-            <a:ext cx="360" cy="612720"/>
+            <a:off x="6759720" y="3554280"/>
+            <a:ext cx="360" cy="612360"/>
           </a:xfrm>
           <a:custGeom>
             <a:avLst/>
@@ -7322,7 +7322,7 @@
         <p:spPr>
           <a:xfrm>
             <a:off x="6504120" y="3547080"/>
-            <a:ext cx="200520" cy="302760"/>
+            <a:ext cx="200160" cy="302760"/>
           </a:xfrm>
           <a:prstGeom prst="rect">
             <a:avLst/>
@@ -7374,7 +7374,7 @@
         <p:spPr>
           <a:xfrm>
             <a:off x="6474600" y="3872520"/>
-            <a:ext cx="200520" cy="302760"/>
+            <a:ext cx="200160" cy="302760"/>
           </a:xfrm>
           <a:prstGeom prst="rect">
             <a:avLst/>
@@ -7426,7 +7426,7 @@
         <p:spPr>
           <a:xfrm flipH="1">
             <a:off x="7936560" y="4647960"/>
-            <a:ext cx="1060200" cy="360"/>
+            <a:ext cx="1059840" cy="360"/>
           </a:xfrm>
           <a:custGeom>
             <a:avLst/>
@@ -7482,7 +7482,7 @@
         <p:spPr>
           <a:xfrm>
             <a:off x="8689680" y="4321800"/>
-            <a:ext cx="200520" cy="302760"/>
+            <a:ext cx="200160" cy="302760"/>
           </a:xfrm>
           <a:prstGeom prst="rect">
             <a:avLst/>
@@ -7534,7 +7534,7 @@
         <p:spPr>
           <a:xfrm>
             <a:off x="7936200" y="4303800"/>
-            <a:ext cx="200520" cy="302760"/>
+            <a:ext cx="200160" cy="302760"/>
           </a:xfrm>
           <a:prstGeom prst="rect">
             <a:avLst/>
@@ -7586,7 +7586,7 @@
         <p:spPr>
           <a:xfrm>
             <a:off x="360000" y="5206320"/>
-            <a:ext cx="2201760" cy="912600"/>
+            <a:ext cx="2201400" cy="912240"/>
           </a:xfrm>
           <a:prstGeom prst="rect">
             <a:avLst/>
@@ -7673,7 +7673,7 @@
         <p:spPr>
           <a:xfrm>
             <a:off x="2700000" y="3586320"/>
-            <a:ext cx="2698920" cy="912600"/>
+            <a:ext cx="2698560" cy="912240"/>
           </a:xfrm>
           <a:prstGeom prst="rect">
             <a:avLst/>
@@ -7737,7 +7737,7 @@
         <p:spPr>
           <a:xfrm>
             <a:off x="2700000" y="2752200"/>
-            <a:ext cx="718920" cy="833040"/>
+            <a:ext cx="718560" cy="832680"/>
           </a:xfrm>
           <a:custGeom>
             <a:avLst/>
@@ -7793,7 +7793,7 @@
         <p:spPr>
           <a:xfrm>
             <a:off x="2851200" y="2700000"/>
-            <a:ext cx="200520" cy="302760"/>
+            <a:ext cx="200160" cy="302760"/>
           </a:xfrm>
           <a:prstGeom prst="rect">
             <a:avLst/>
@@ -7845,7 +7845,7 @@
         <p:spPr>
           <a:xfrm>
             <a:off x="3326400" y="3276000"/>
-            <a:ext cx="200520" cy="302760"/>
+            <a:ext cx="200160" cy="302760"/>
           </a:xfrm>
           <a:prstGeom prst="rect">
             <a:avLst/>
@@ -7931,7 +7931,7 @@
         <p:spPr>
           <a:xfrm>
             <a:off x="838080" y="365040"/>
-            <a:ext cx="10513800" cy="1323720"/>
+            <a:ext cx="10513440" cy="1323360"/>
           </a:xfrm>
           <a:prstGeom prst="rect">
             <a:avLst/>
@@ -8801,7 +8801,7 @@
         <p:spPr>
           <a:xfrm>
             <a:off x="838080" y="365040"/>
-            <a:ext cx="10513800" cy="1323720"/>
+            <a:ext cx="10513440" cy="1323360"/>
           </a:xfrm>
           <a:prstGeom prst="rect">
             <a:avLst/>
@@ -9696,7 +9696,7 @@
         <p:spPr>
           <a:xfrm>
             <a:off x="838080" y="365040"/>
-            <a:ext cx="10513800" cy="1323720"/>
+            <a:ext cx="10513440" cy="1323360"/>
           </a:xfrm>
           <a:prstGeom prst="rect">
             <a:avLst/>
@@ -10721,7 +10721,7 @@
         <p:spPr>
           <a:xfrm>
             <a:off x="838080" y="365040"/>
-            <a:ext cx="10513800" cy="1323720"/>
+            <a:ext cx="10513440" cy="1323360"/>
           </a:xfrm>
           <a:prstGeom prst="rect">
             <a:avLst/>
@@ -11619,7 +11619,7 @@
         <p:spPr>
           <a:xfrm>
             <a:off x="838080" y="365040"/>
-            <a:ext cx="10513800" cy="1323720"/>
+            <a:ext cx="10513440" cy="1323360"/>
           </a:xfrm>
           <a:prstGeom prst="rect">
             <a:avLst/>
@@ -12356,7 +12356,7 @@
         <p:spPr>
           <a:xfrm>
             <a:off x="838080" y="365040"/>
-            <a:ext cx="10513800" cy="1323720"/>
+            <a:ext cx="10513440" cy="1323360"/>
           </a:xfrm>
           <a:prstGeom prst="rect">
             <a:avLst/>
@@ -13221,139 +13221,6 @@
                           </a:solidFill>
                           <a:latin typeface="Aptos"/>
                         </a:rPr>
-                        <a:t>PhoneNumber</a:t>
-                      </a:r>
-                      <a:endParaRPr b="0" lang="en-IL" sz="1800" spc="-1" strike="noStrike">
-                        <a:latin typeface="Arial"/>
-                      </a:endParaRPr>
-                    </a:p>
-                  </a:txBody>
-                  <a:tcPr anchor="t" marL="91440" marR="91440">
-                    <a:lnL w="12240">
-                      <a:solidFill>
-                        <a:srgbClr val="ffffff"/>
-                      </a:solidFill>
-                    </a:lnL>
-                    <a:lnR w="12240">
-                      <a:solidFill>
-                        <a:srgbClr val="ffffff"/>
-                      </a:solidFill>
-                    </a:lnR>
-                    <a:lnT w="12240">
-                      <a:solidFill>
-                        <a:srgbClr val="ffffff"/>
-                      </a:solidFill>
-                    </a:lnT>
-                    <a:lnB w="12240">
-                      <a:solidFill>
-                        <a:srgbClr val="ffffff"/>
-                      </a:solidFill>
-                    </a:lnB>
-                    <a:solidFill>
-                      <a:srgbClr val="ccd2d8"/>
-                    </a:solidFill>
-                  </a:tcPr>
-                </a:tc>
-                <a:tc>
-                  <a:txBody>
-                    <a:bodyPr anchor="t">
-                      <a:noAutofit/>
-                    </a:bodyPr>
-                    <a:p>
-                      <a:pPr>
-                        <a:lnSpc>
-                          <a:spcPct val="100000"/>
-                        </a:lnSpc>
-                        <a:buNone/>
-                      </a:pPr>
-                      <a:r>
-                        <a:rPr b="0" lang="en-US" sz="1800" spc="-1" strike="noStrike">
-                          <a:solidFill>
-                            <a:srgbClr val="000000"/>
-                          </a:solidFill>
-                          <a:latin typeface="Aptos"/>
-                        </a:rPr>
-                        <a:t>varchar(15)</a:t>
-                      </a:r>
-                      <a:endParaRPr b="0" lang="en-IL" sz="1800" spc="-1" strike="noStrike">
-                        <a:latin typeface="Arial"/>
-                      </a:endParaRPr>
-                    </a:p>
-                  </a:txBody>
-                  <a:tcPr anchor="t" marL="91440" marR="91440">
-                    <a:lnL w="12240">
-                      <a:solidFill>
-                        <a:srgbClr val="ffffff"/>
-                      </a:solidFill>
-                    </a:lnL>
-                    <a:lnR w="12240">
-                      <a:solidFill>
-                        <a:srgbClr val="ffffff"/>
-                      </a:solidFill>
-                    </a:lnR>
-                    <a:lnT w="12240">
-                      <a:solidFill>
-                        <a:srgbClr val="ffffff"/>
-                      </a:solidFill>
-                    </a:lnT>
-                    <a:lnB w="12240">
-                      <a:solidFill>
-                        <a:srgbClr val="ffffff"/>
-                      </a:solidFill>
-                    </a:lnB>
-                    <a:solidFill>
-                      <a:srgbClr val="ccd2d8"/>
-                    </a:solidFill>
-                  </a:tcPr>
-                </a:tc>
-                <a:tc>
-                  <a:tcPr anchor="t" marL="91440" marR="91440">
-                    <a:lnL w="12240">
-                      <a:solidFill>
-                        <a:srgbClr val="ffffff"/>
-                      </a:solidFill>
-                    </a:lnL>
-                    <a:lnR w="12240">
-                      <a:solidFill>
-                        <a:srgbClr val="ffffff"/>
-                      </a:solidFill>
-                    </a:lnR>
-                    <a:lnT w="12240">
-                      <a:solidFill>
-                        <a:srgbClr val="ffffff"/>
-                      </a:solidFill>
-                    </a:lnT>
-                    <a:lnB w="12240">
-                      <a:solidFill>
-                        <a:srgbClr val="ffffff"/>
-                      </a:solidFill>
-                    </a:lnB>
-                    <a:solidFill>
-                      <a:srgbClr val="ccd2d8"/>
-                    </a:solidFill>
-                  </a:tcPr>
-                </a:tc>
-              </a:tr>
-              <a:tr h="402840">
-                <a:tc>
-                  <a:txBody>
-                    <a:bodyPr anchor="t">
-                      <a:noAutofit/>
-                    </a:bodyPr>
-                    <a:p>
-                      <a:pPr>
-                        <a:lnSpc>
-                          <a:spcPct val="100000"/>
-                        </a:lnSpc>
-                        <a:buNone/>
-                      </a:pPr>
-                      <a:r>
-                        <a:rPr b="0" lang="en-US" sz="1800" spc="-1" strike="noStrike">
-                          <a:solidFill>
-                            <a:srgbClr val="000000"/>
-                          </a:solidFill>
-                          <a:latin typeface="Aptos"/>
-                        </a:rPr>
                         <a:t>JoinDate</a:t>
                       </a:r>
                       <a:endParaRPr b="0" lang="en-IL" sz="1800" spc="-1" strike="noStrike">
@@ -14256,7 +14123,7 @@
         <p:spPr>
           <a:xfrm>
             <a:off x="838080" y="0"/>
-            <a:ext cx="10513800" cy="623520"/>
+            <a:ext cx="10513440" cy="623160"/>
           </a:xfrm>
           <a:prstGeom prst="rect">
             <a:avLst/>
@@ -14299,17 +14166,17 @@
           <p:nvPr/>
         </p:nvGraphicFramePr>
         <p:xfrm>
-          <a:off x="838080" y="507960"/>
-          <a:ext cx="10127880" cy="7470000"/>
+          <a:off x="180000" y="507960"/>
+          <a:ext cx="11519640" cy="7470000"/>
         </p:xfrm>
         <a:graphic>
           <a:graphicData uri="http://schemas.openxmlformats.org/drawingml/2006/table">
             <a:tbl>
               <a:tblPr/>
               <a:tblGrid>
-                <a:gridCol w="3376080"/>
-                <a:gridCol w="3376080"/>
-                <a:gridCol w="3376080"/>
+                <a:gridCol w="3839400"/>
+                <a:gridCol w="3839400"/>
+                <a:gridCol w="3840840"/>
               </a:tblGrid>
               <a:tr h="402840">
                 <a:tc>
@@ -16909,7 +16776,7 @@
         <p:spPr>
           <a:xfrm>
             <a:off x="838080" y="365040"/>
-            <a:ext cx="10513800" cy="1323720"/>
+            <a:ext cx="10513440" cy="1323360"/>
           </a:xfrm>
           <a:prstGeom prst="rect">
             <a:avLst/>
@@ -17751,7 +17618,7 @@
         <p:spPr>
           <a:xfrm>
             <a:off x="838080" y="365040"/>
-            <a:ext cx="10513800" cy="1323720"/>
+            <a:ext cx="10513440" cy="1323360"/>
           </a:xfrm>
           <a:prstGeom prst="rect">
             <a:avLst/>
@@ -18949,7 +18816,7 @@
         <p:spPr>
           <a:xfrm>
             <a:off x="838080" y="365040"/>
-            <a:ext cx="10513800" cy="1323720"/>
+            <a:ext cx="10513440" cy="1323360"/>
           </a:xfrm>
           <a:prstGeom prst="rect">
             <a:avLst/>
@@ -20900,7 +20767,7 @@
         <p:spPr>
           <a:xfrm>
             <a:off x="838080" y="365040"/>
-            <a:ext cx="10513800" cy="1323720"/>
+            <a:ext cx="10513440" cy="1323360"/>
           </a:xfrm>
           <a:prstGeom prst="rect">
             <a:avLst/>
